--- a/LOVEPET_1조(최종).pptx
+++ b/LOVEPET_1조(최종).pptx
@@ -5,7 +5,7 @@
     <p:sldMasterId id="2147483648" r:id="rId1"/>
   </p:sldMasterIdLst>
   <p:notesMasterIdLst>
-    <p:notesMasterId r:id="rId10"/>
+    <p:notesMasterId r:id="rId11"/>
   </p:notesMasterIdLst>
   <p:sldIdLst>
     <p:sldId id="256" r:id="rId2"/>
@@ -15,7 +15,8 @@
     <p:sldId id="269" r:id="rId6"/>
     <p:sldId id="271" r:id="rId7"/>
     <p:sldId id="260" r:id="rId8"/>
-    <p:sldId id="262" r:id="rId9"/>
+    <p:sldId id="272" r:id="rId9"/>
+    <p:sldId id="262" r:id="rId10"/>
   </p:sldIdLst>
   <p:sldSz cx="9144000" cy="6858000" type="screen4x3"/>
   <p:notesSz cx="6858000" cy="9144000"/>
@@ -215,7 +216,7 @@
           <a:p>
             <a:fld id="{0B380440-4CF0-40AD-930E-EC150CE4ADB8}" type="datetimeFigureOut">
               <a:rPr lang="ko-KR" altLang="en-US" smtClean="0"/>
-              <a:t>2016-12-05</a:t>
+              <a:t>2016-12-08</a:t>
             </a:fld>
             <a:endParaRPr lang="ko-KR" altLang="en-US"/>
           </a:p>
@@ -859,7 +860,7 @@
           <a:p>
             <a:fld id="{90C6EC95-27C0-440D-AA87-A76581B1DD7D}" type="datetimeFigureOut">
               <a:rPr lang="ko-KR" altLang="en-US" smtClean="0"/>
-              <a:t>2016-12-05</a:t>
+              <a:t>2016-12-08</a:t>
             </a:fld>
             <a:endParaRPr lang="ko-KR" altLang="en-US"/>
           </a:p>
@@ -1022,7 +1023,7 @@
           <a:p>
             <a:fld id="{90C6EC95-27C0-440D-AA87-A76581B1DD7D}" type="datetimeFigureOut">
               <a:rPr lang="ko-KR" altLang="en-US" smtClean="0"/>
-              <a:t>2016-12-05</a:t>
+              <a:t>2016-12-08</a:t>
             </a:fld>
             <a:endParaRPr lang="ko-KR" altLang="en-US"/>
           </a:p>
@@ -1195,7 +1196,7 @@
           <a:p>
             <a:fld id="{90C6EC95-27C0-440D-AA87-A76581B1DD7D}" type="datetimeFigureOut">
               <a:rPr lang="ko-KR" altLang="en-US" smtClean="0"/>
-              <a:t>2016-12-05</a:t>
+              <a:t>2016-12-08</a:t>
             </a:fld>
             <a:endParaRPr lang="ko-KR" altLang="en-US"/>
           </a:p>
@@ -1358,7 +1359,7 @@
           <a:p>
             <a:fld id="{90C6EC95-27C0-440D-AA87-A76581B1DD7D}" type="datetimeFigureOut">
               <a:rPr lang="ko-KR" altLang="en-US" smtClean="0"/>
-              <a:t>2016-12-05</a:t>
+              <a:t>2016-12-08</a:t>
             </a:fld>
             <a:endParaRPr lang="ko-KR" altLang="en-US"/>
           </a:p>
@@ -1598,7 +1599,7 @@
           <a:p>
             <a:fld id="{90C6EC95-27C0-440D-AA87-A76581B1DD7D}" type="datetimeFigureOut">
               <a:rPr lang="ko-KR" altLang="en-US" smtClean="0"/>
-              <a:t>2016-12-05</a:t>
+              <a:t>2016-12-08</a:t>
             </a:fld>
             <a:endParaRPr lang="ko-KR" altLang="en-US"/>
           </a:p>
@@ -1878,7 +1879,7 @@
           <a:p>
             <a:fld id="{90C6EC95-27C0-440D-AA87-A76581B1DD7D}" type="datetimeFigureOut">
               <a:rPr lang="ko-KR" altLang="en-US" smtClean="0"/>
-              <a:t>2016-12-05</a:t>
+              <a:t>2016-12-08</a:t>
             </a:fld>
             <a:endParaRPr lang="ko-KR" altLang="en-US"/>
           </a:p>
@@ -2292,7 +2293,7 @@
           <a:p>
             <a:fld id="{90C6EC95-27C0-440D-AA87-A76581B1DD7D}" type="datetimeFigureOut">
               <a:rPr lang="ko-KR" altLang="en-US" smtClean="0"/>
-              <a:t>2016-12-05</a:t>
+              <a:t>2016-12-08</a:t>
             </a:fld>
             <a:endParaRPr lang="ko-KR" altLang="en-US"/>
           </a:p>
@@ -2404,7 +2405,7 @@
           <a:p>
             <a:fld id="{90C6EC95-27C0-440D-AA87-A76581B1DD7D}" type="datetimeFigureOut">
               <a:rPr lang="ko-KR" altLang="en-US" smtClean="0"/>
-              <a:t>2016-12-05</a:t>
+              <a:t>2016-12-08</a:t>
             </a:fld>
             <a:endParaRPr lang="ko-KR" altLang="en-US"/>
           </a:p>
@@ -2494,7 +2495,7 @@
           <a:p>
             <a:fld id="{90C6EC95-27C0-440D-AA87-A76581B1DD7D}" type="datetimeFigureOut">
               <a:rPr lang="ko-KR" altLang="en-US" smtClean="0"/>
-              <a:t>2016-12-05</a:t>
+              <a:t>2016-12-08</a:t>
             </a:fld>
             <a:endParaRPr lang="ko-KR" altLang="en-US"/>
           </a:p>
@@ -2764,7 +2765,7 @@
           <a:p>
             <a:fld id="{90C6EC95-27C0-440D-AA87-A76581B1DD7D}" type="datetimeFigureOut">
               <a:rPr lang="ko-KR" altLang="en-US" smtClean="0"/>
-              <a:t>2016-12-05</a:t>
+              <a:t>2016-12-08</a:t>
             </a:fld>
             <a:endParaRPr lang="ko-KR" altLang="en-US"/>
           </a:p>
@@ -3011,7 +3012,7 @@
           <a:p>
             <a:fld id="{90C6EC95-27C0-440D-AA87-A76581B1DD7D}" type="datetimeFigureOut">
               <a:rPr lang="ko-KR" altLang="en-US" smtClean="0"/>
-              <a:t>2016-12-05</a:t>
+              <a:t>2016-12-08</a:t>
             </a:fld>
             <a:endParaRPr lang="ko-KR" altLang="en-US"/>
           </a:p>
@@ -3217,7 +3218,7 @@
           <a:p>
             <a:fld id="{90C6EC95-27C0-440D-AA87-A76581B1DD7D}" type="datetimeFigureOut">
               <a:rPr lang="ko-KR" altLang="en-US" smtClean="0"/>
-              <a:t>2016-12-05</a:t>
+              <a:t>2016-12-08</a:t>
             </a:fld>
             <a:endParaRPr lang="ko-KR" altLang="en-US"/>
           </a:p>
@@ -4857,7 +4858,7 @@
         <p:spPr>
           <a:xfrm>
             <a:off x="1043608" y="1535142"/>
-            <a:ext cx="7200800" cy="4062651"/>
+            <a:ext cx="7200800" cy="4647426"/>
           </a:xfrm>
           <a:prstGeom prst="rect">
             <a:avLst/>
@@ -4890,38 +4891,14 @@
               </a:rPr>
               <a:t> </a:t>
             </a:r>
-            <a:endParaRPr lang="en-US" altLang="ko-KR" sz="4400" dirty="0">
-              <a:solidFill>
-                <a:schemeClr val="accent1">
-                  <a:lumMod val="50000"/>
-                </a:schemeClr>
-              </a:solidFill>
-            </a:endParaRPr>
+            <a:endParaRPr lang="en-US" altLang="ko-KR" dirty="0"/>
           </a:p>
           <a:p>
             <a:pPr marL="342900" indent="-342900">
               <a:buAutoNum type="arabicPeriod"/>
             </a:pPr>
-            <a:endParaRPr lang="en-US" altLang="ko-KR" dirty="0"/>
-          </a:p>
-          <a:p>
-            <a:pPr marL="342900" indent="-342900">
-              <a:buAutoNum type="arabicPeriod"/>
-            </a:pPr>
-            <a:endParaRPr lang="en-US" altLang="ko-KR" dirty="0"/>
-          </a:p>
-          <a:p>
-            <a:pPr marL="342900" indent="-342900">
-              <a:buAutoNum type="arabicPeriod"/>
-            </a:pPr>
-            <a:endParaRPr lang="en-US" altLang="ko-KR" dirty="0"/>
-          </a:p>
-          <a:p>
-            <a:pPr marL="342900" indent="-342900">
-              <a:buAutoNum type="arabicPeriod"/>
-            </a:pPr>
-            <a:r>
-              <a:rPr lang="ko-KR" altLang="en-US" sz="3200" dirty="0">
+            <a:r>
+              <a:rPr lang="ko-KR" altLang="en-US" sz="2800" dirty="0">
                 <a:solidFill>
                   <a:schemeClr val="bg1"/>
                 </a:solidFill>
@@ -4929,7 +4906,7 @@
               <a:t> 요구사항 분석 </a:t>
             </a:r>
             <a:r>
-              <a:rPr lang="en-US" altLang="ko-KR" sz="3200" dirty="0">
+              <a:rPr lang="en-US" altLang="ko-KR" sz="2800" dirty="0">
                 <a:solidFill>
                   <a:schemeClr val="bg1"/>
                 </a:solidFill>
@@ -4937,14 +4914,14 @@
               <a:t>&amp; </a:t>
             </a:r>
             <a:r>
-              <a:rPr lang="ko-KR" altLang="en-US" sz="3200" dirty="0">
+              <a:rPr lang="ko-KR" altLang="en-US" sz="2800" dirty="0">
                 <a:solidFill>
                   <a:schemeClr val="bg1"/>
                 </a:solidFill>
               </a:rPr>
               <a:t>변경사항</a:t>
             </a:r>
-            <a:endParaRPr lang="en-US" altLang="ko-KR" sz="3200" dirty="0">
+            <a:endParaRPr lang="en-US" altLang="ko-KR" sz="2800" dirty="0">
               <a:solidFill>
                 <a:schemeClr val="bg1"/>
               </a:solidFill>
@@ -4954,7 +4931,7 @@
             <a:pPr marL="342900" indent="-342900">
               <a:buAutoNum type="arabicPeriod"/>
             </a:pPr>
-            <a:endParaRPr lang="en-US" altLang="ko-KR" sz="3200" dirty="0">
+            <a:endParaRPr lang="en-US" altLang="ko-KR" sz="2800" dirty="0">
               <a:solidFill>
                 <a:schemeClr val="bg1"/>
               </a:solidFill>
@@ -4965,7 +4942,7 @@
               <a:buAutoNum type="arabicPeriod"/>
             </a:pPr>
             <a:r>
-              <a:rPr lang="en-US" altLang="ko-KR" sz="3200" dirty="0">
+              <a:rPr lang="en-US" altLang="ko-KR" sz="2800" dirty="0">
                 <a:solidFill>
                   <a:schemeClr val="bg1"/>
                 </a:solidFill>
@@ -4973,14 +4950,14 @@
               <a:t> ER diagram &amp; </a:t>
             </a:r>
             <a:r>
-              <a:rPr lang="ko-KR" altLang="en-US" sz="3200" dirty="0">
+              <a:rPr lang="ko-KR" altLang="en-US" sz="2800" dirty="0">
                 <a:solidFill>
                   <a:schemeClr val="bg1"/>
                 </a:solidFill>
               </a:rPr>
               <a:t>변경사항</a:t>
             </a:r>
-            <a:endParaRPr lang="en-US" altLang="ko-KR" sz="3200" dirty="0">
+            <a:endParaRPr lang="en-US" altLang="ko-KR" sz="2800" dirty="0">
               <a:solidFill>
                 <a:schemeClr val="bg1"/>
               </a:solidFill>
@@ -4990,7 +4967,7 @@
             <a:pPr marL="342900" indent="-342900">
               <a:buAutoNum type="arabicPeriod"/>
             </a:pPr>
-            <a:endParaRPr lang="en-US" altLang="ko-KR" sz="3200" dirty="0">
+            <a:endParaRPr lang="en-US" altLang="ko-KR" sz="2800" dirty="0">
               <a:solidFill>
                 <a:schemeClr val="bg1"/>
               </a:solidFill>
@@ -5001,7 +4978,7 @@
               <a:buAutoNum type="arabicPeriod"/>
             </a:pPr>
             <a:r>
-              <a:rPr lang="en-US" altLang="ko-KR" sz="3200" dirty="0">
+              <a:rPr lang="en-US" altLang="ko-KR" sz="2800" dirty="0">
                 <a:solidFill>
                   <a:schemeClr val="bg1"/>
                 </a:solidFill>
@@ -5009,7 +4986,7 @@
               <a:t> </a:t>
             </a:r>
             <a:r>
-              <a:rPr lang="ko-KR" altLang="en-US" sz="3200" dirty="0">
+              <a:rPr lang="ko-KR" altLang="en-US" sz="2800" dirty="0">
                 <a:solidFill>
                   <a:schemeClr val="bg1"/>
                 </a:solidFill>
@@ -5017,7 +4994,7 @@
               <a:t>최종 결과</a:t>
             </a:r>
             <a:r>
-              <a:rPr lang="en-US" altLang="ko-KR" sz="3200" dirty="0">
+              <a:rPr lang="en-US" altLang="ko-KR" sz="2800" dirty="0">
                 <a:solidFill>
                   <a:schemeClr val="bg1"/>
                 </a:solidFill>
@@ -5025,7 +5002,7 @@
               <a:t>(</a:t>
             </a:r>
             <a:r>
-              <a:rPr lang="ko-KR" altLang="en-US" sz="3200" dirty="0">
+              <a:rPr lang="ko-KR" altLang="en-US" sz="2800" dirty="0">
                 <a:solidFill>
                   <a:schemeClr val="bg1"/>
                 </a:solidFill>
@@ -5033,14 +5010,73 @@
               <a:t>시연</a:t>
             </a:r>
             <a:r>
-              <a:rPr lang="en-US" altLang="ko-KR" sz="3200" dirty="0">
+              <a:rPr lang="en-US" altLang="ko-KR" sz="2800" dirty="0">
                 <a:solidFill>
                   <a:schemeClr val="bg1"/>
                 </a:solidFill>
               </a:rPr>
               <a:t>)</a:t>
             </a:r>
-            <a:endParaRPr lang="ko-KR" altLang="en-US" sz="3200" dirty="0">
+          </a:p>
+          <a:p>
+            <a:pPr marL="342900" indent="-342900">
+              <a:buAutoNum type="arabicPeriod"/>
+            </a:pPr>
+            <a:endParaRPr lang="en-US" altLang="ko-KR" sz="2800" dirty="0">
+              <a:solidFill>
+                <a:schemeClr val="bg1"/>
+              </a:solidFill>
+            </a:endParaRPr>
+          </a:p>
+          <a:p>
+            <a:pPr marL="342900" indent="-342900">
+              <a:buAutoNum type="arabicPeriod"/>
+            </a:pPr>
+            <a:r>
+              <a:rPr lang="en-US" altLang="ko-KR" sz="2800" dirty="0">
+                <a:solidFill>
+                  <a:schemeClr val="bg1"/>
+                </a:solidFill>
+              </a:rPr>
+              <a:t> </a:t>
+            </a:r>
+            <a:r>
+              <a:rPr lang="ko-KR" altLang="en-US" sz="2800" dirty="0">
+                <a:solidFill>
+                  <a:schemeClr val="bg1"/>
+                </a:solidFill>
+              </a:rPr>
+              <a:t>개선 요구 사항</a:t>
+            </a:r>
+            <a:endParaRPr lang="en-US" altLang="ko-KR" sz="2800" dirty="0">
+              <a:solidFill>
+                <a:schemeClr val="bg1"/>
+              </a:solidFill>
+            </a:endParaRPr>
+          </a:p>
+          <a:p>
+            <a:pPr marL="342900" indent="-342900">
+              <a:buAutoNum type="arabicPeriod"/>
+            </a:pPr>
+            <a:endParaRPr lang="en-US" altLang="ko-KR" sz="2800" dirty="0">
+              <a:solidFill>
+                <a:schemeClr val="bg1"/>
+              </a:solidFill>
+            </a:endParaRPr>
+          </a:p>
+          <a:p>
+            <a:pPr marL="342900" indent="-342900">
+              <a:buAutoNum type="arabicPeriod"/>
+            </a:pPr>
+            <a:r>
+              <a:rPr lang="en-US" altLang="ko-KR" sz="2800" dirty="0">
+                <a:solidFill>
+                  <a:schemeClr val="bg1"/>
+                </a:solidFill>
+              </a:rPr>
+              <a:t> Q &amp; A</a:t>
+            </a:r>
+            <a:endParaRPr lang="ko-KR" altLang="en-US" sz="2800" dirty="0">
               <a:solidFill>
                 <a:schemeClr val="bg1"/>
               </a:solidFill>
@@ -6352,6 +6388,421 @@
       </p:grpSpPr>
       <p:pic>
         <p:nvPicPr>
+          <p:cNvPr id="2" name="그림 1" descr="6.jpg"/>
+          <p:cNvPicPr>
+            <a:picLocks noChangeAspect="1"/>
+          </p:cNvPicPr>
+          <p:nvPr/>
+        </p:nvPicPr>
+        <p:blipFill>
+          <a:blip r:embed="rId2"/>
+          <a:stretch>
+            <a:fillRect/>
+          </a:stretch>
+        </p:blipFill>
+        <p:spPr>
+          <a:xfrm>
+            <a:off x="0" y="0"/>
+            <a:ext cx="4680000" cy="3574286"/>
+          </a:xfrm>
+          <a:prstGeom prst="rect">
+            <a:avLst/>
+          </a:prstGeom>
+        </p:spPr>
+      </p:pic>
+      <p:sp>
+        <p:nvSpPr>
+          <p:cNvPr id="3" name="모서리가 둥근 직사각형 2"/>
+          <p:cNvSpPr/>
+          <p:nvPr/>
+        </p:nvSpPr>
+        <p:spPr>
+          <a:xfrm>
+            <a:off x="715191" y="1214422"/>
+            <a:ext cx="7929618" cy="5357850"/>
+          </a:xfrm>
+          <a:prstGeom prst="roundRect">
+            <a:avLst/>
+          </a:prstGeom>
+          <a:solidFill>
+            <a:schemeClr val="tx1">
+              <a:alpha val="50000"/>
+            </a:schemeClr>
+          </a:solidFill>
+          <a:ln>
+            <a:noFill/>
+          </a:ln>
+        </p:spPr>
+        <p:style>
+          <a:lnRef idx="2">
+            <a:schemeClr val="accent1">
+              <a:shade val="50000"/>
+            </a:schemeClr>
+          </a:lnRef>
+          <a:fillRef idx="1">
+            <a:schemeClr val="accent1"/>
+          </a:fillRef>
+          <a:effectRef idx="0">
+            <a:schemeClr val="accent1"/>
+          </a:effectRef>
+          <a:fontRef idx="minor">
+            <a:schemeClr val="lt1"/>
+          </a:fontRef>
+        </p:style>
+        <p:txBody>
+          <a:bodyPr rtlCol="0" anchor="ctr">
+            <a:normAutofit/>
+          </a:bodyPr>
+          <a:lstStyle/>
+          <a:p>
+            <a:pPr algn="ctr"/>
+            <a:endParaRPr lang="ko-KR" altLang="en-US" dirty="0"/>
+          </a:p>
+        </p:txBody>
+      </p:sp>
+      <p:sp>
+        <p:nvSpPr>
+          <p:cNvPr id="4" name="TextBox 3"/>
+          <p:cNvSpPr txBox="1"/>
+          <p:nvPr/>
+        </p:nvSpPr>
+        <p:spPr>
+          <a:xfrm>
+            <a:off x="6429388" y="357166"/>
+            <a:ext cx="2463092" cy="707886"/>
+          </a:xfrm>
+          <a:prstGeom prst="rect">
+            <a:avLst/>
+          </a:prstGeom>
+          <a:noFill/>
+        </p:spPr>
+        <p:txBody>
+          <a:bodyPr wrap="square" rtlCol="0">
+            <a:spAutoFit/>
+          </a:bodyPr>
+          <a:lstStyle/>
+          <a:p>
+            <a:r>
+              <a:rPr lang="en-US" altLang="ko-KR" sz="4000" dirty="0" err="1">
+                <a:latin typeface="Stencil" pitchFamily="82" charset="0"/>
+              </a:rPr>
+              <a:t>lovepet</a:t>
+            </a:r>
+            <a:endParaRPr lang="ko-KR" altLang="en-US" sz="4000" dirty="0"/>
+          </a:p>
+        </p:txBody>
+      </p:sp>
+      <p:sp>
+        <p:nvSpPr>
+          <p:cNvPr id="7" name="TextBox 6"/>
+          <p:cNvSpPr txBox="1"/>
+          <p:nvPr/>
+        </p:nvSpPr>
+        <p:spPr>
+          <a:xfrm rot="16200000">
+            <a:off x="2119795" y="-999938"/>
+            <a:ext cx="615553" cy="3424760"/>
+          </a:xfrm>
+          <a:prstGeom prst="rect">
+            <a:avLst/>
+          </a:prstGeom>
+          <a:noFill/>
+        </p:spPr>
+        <p:txBody>
+          <a:bodyPr vert="eaVert" wrap="square" rtlCol="0">
+            <a:spAutoFit/>
+          </a:bodyPr>
+          <a:lstStyle/>
+          <a:p>
+            <a:pPr marL="285750" indent="-285750">
+              <a:buFont typeface="Wingdings" panose="05000000000000000000" pitchFamily="2" charset="2"/>
+              <a:buChar char="v"/>
+            </a:pPr>
+            <a:r>
+              <a:rPr lang="en-US" altLang="ko-KR" sz="2800" dirty="0"/>
+              <a:t> 4. </a:t>
+            </a:r>
+            <a:r>
+              <a:rPr lang="ko-KR" altLang="en-US" sz="2800" dirty="0"/>
+              <a:t>개선 요구 사항</a:t>
+            </a:r>
+            <a:endParaRPr lang="en-US" altLang="ko-KR" dirty="0"/>
+          </a:p>
+        </p:txBody>
+      </p:sp>
+      <p:sp>
+        <p:nvSpPr>
+          <p:cNvPr id="8" name="TextBox 7"/>
+          <p:cNvSpPr txBox="1"/>
+          <p:nvPr/>
+        </p:nvSpPr>
+        <p:spPr>
+          <a:xfrm>
+            <a:off x="1043608" y="1535142"/>
+            <a:ext cx="7200800" cy="4678204"/>
+          </a:xfrm>
+          <a:prstGeom prst="rect">
+            <a:avLst/>
+          </a:prstGeom>
+          <a:noFill/>
+        </p:spPr>
+        <p:txBody>
+          <a:bodyPr wrap="square" rtlCol="0">
+            <a:spAutoFit/>
+          </a:bodyPr>
+          <a:lstStyle/>
+          <a:p>
+            <a:pPr algn="ctr"/>
+            <a:endParaRPr lang="en-US" altLang="ko-KR" dirty="0"/>
+          </a:p>
+          <a:p>
+            <a:pPr marL="342900" indent="-342900">
+              <a:buAutoNum type="arabicPeriod"/>
+            </a:pPr>
+            <a:r>
+              <a:rPr lang="ko-KR" altLang="en-US" sz="2800" dirty="0">
+                <a:solidFill>
+                  <a:schemeClr val="bg1"/>
+                </a:solidFill>
+              </a:rPr>
+              <a:t> 구매 절차를 준수하지 않아도 </a:t>
+            </a:r>
+            <a:r>
+              <a:rPr lang="en-US" altLang="ko-KR" sz="2800" dirty="0">
+                <a:solidFill>
+                  <a:schemeClr val="bg1"/>
+                </a:solidFill>
+              </a:rPr>
+              <a:t>DB</a:t>
+            </a:r>
+            <a:r>
+              <a:rPr lang="ko-KR" altLang="en-US" sz="2800" dirty="0">
+                <a:solidFill>
+                  <a:schemeClr val="bg1"/>
+                </a:solidFill>
+              </a:rPr>
+              <a:t>내 데이터 처리 </a:t>
+            </a:r>
+            <a:r>
+              <a:rPr lang="ko-KR" altLang="en-US" sz="2800" dirty="0" err="1">
+                <a:solidFill>
+                  <a:schemeClr val="bg1"/>
+                </a:solidFill>
+              </a:rPr>
+              <a:t>매커니즘</a:t>
+            </a:r>
+            <a:r>
+              <a:rPr lang="ko-KR" altLang="en-US" sz="2800" dirty="0">
+                <a:solidFill>
+                  <a:schemeClr val="bg1"/>
+                </a:solidFill>
+              </a:rPr>
+              <a:t> 필요</a:t>
+            </a:r>
+            <a:endParaRPr lang="en-US" altLang="ko-KR" sz="2800" dirty="0">
+              <a:solidFill>
+                <a:schemeClr val="bg1"/>
+              </a:solidFill>
+            </a:endParaRPr>
+          </a:p>
+          <a:p>
+            <a:pPr marL="342900" indent="-342900">
+              <a:buAutoNum type="arabicPeriod"/>
+            </a:pPr>
+            <a:r>
+              <a:rPr lang="en-US" altLang="ko-KR" sz="2800" dirty="0">
+                <a:solidFill>
+                  <a:schemeClr val="bg1"/>
+                </a:solidFill>
+              </a:rPr>
+              <a:t> </a:t>
+            </a:r>
+            <a:r>
+              <a:rPr lang="ko-KR" altLang="en-US" sz="2800" dirty="0">
+                <a:solidFill>
+                  <a:schemeClr val="bg1"/>
+                </a:solidFill>
+              </a:rPr>
+              <a:t>한 동물을 여러 마리 담거나</a:t>
+            </a:r>
+            <a:r>
+              <a:rPr lang="en-US" altLang="ko-KR" sz="2800" dirty="0">
+                <a:solidFill>
+                  <a:schemeClr val="bg1"/>
+                </a:solidFill>
+              </a:rPr>
+              <a:t> </a:t>
+            </a:r>
+            <a:r>
+              <a:rPr lang="ko-KR" altLang="en-US" sz="2800" dirty="0">
+                <a:solidFill>
+                  <a:schemeClr val="bg1"/>
+                </a:solidFill>
+              </a:rPr>
+              <a:t>결제할 때 중복을 지원하지 않아 중복 지원 필요</a:t>
+            </a:r>
+            <a:endParaRPr lang="en-US" altLang="ko-KR" sz="2800" dirty="0">
+              <a:solidFill>
+                <a:schemeClr val="bg1"/>
+              </a:solidFill>
+            </a:endParaRPr>
+          </a:p>
+          <a:p>
+            <a:pPr marL="342900" indent="-342900">
+              <a:buAutoNum type="arabicPeriod"/>
+            </a:pPr>
+            <a:r>
+              <a:rPr lang="en-US" altLang="ko-KR" sz="2800" dirty="0">
+                <a:solidFill>
+                  <a:schemeClr val="bg1"/>
+                </a:solidFill>
+              </a:rPr>
+              <a:t> </a:t>
+            </a:r>
+            <a:r>
+              <a:rPr lang="ko-KR" altLang="en-US" sz="2800" dirty="0">
+                <a:solidFill>
+                  <a:schemeClr val="bg1"/>
+                </a:solidFill>
+              </a:rPr>
+              <a:t>결제 후 완전한 결제 기록에만 저장되고 회원이 따로 결제 완료된 상황을 확인하는 페이지를 지원하지 않음</a:t>
+            </a:r>
+            <a:endParaRPr lang="en-US" altLang="ko-KR" sz="2800" dirty="0">
+              <a:solidFill>
+                <a:schemeClr val="bg1"/>
+              </a:solidFill>
+            </a:endParaRPr>
+          </a:p>
+          <a:p>
+            <a:pPr marL="342900" indent="-342900">
+              <a:buAutoNum type="arabicPeriod"/>
+            </a:pPr>
+            <a:r>
+              <a:rPr lang="en-US" altLang="ko-KR" sz="2800" dirty="0">
+                <a:solidFill>
+                  <a:schemeClr val="bg1"/>
+                </a:solidFill>
+              </a:rPr>
+              <a:t> </a:t>
+            </a:r>
+            <a:r>
+              <a:rPr lang="ko-KR" altLang="en-US" sz="2800" dirty="0">
+                <a:solidFill>
+                  <a:schemeClr val="bg1"/>
+                </a:solidFill>
+              </a:rPr>
+              <a:t>이미지 </a:t>
+            </a:r>
+            <a:r>
+              <a:rPr lang="en-US" altLang="ko-KR" sz="2800" dirty="0">
+                <a:solidFill>
+                  <a:schemeClr val="bg1"/>
+                </a:solidFill>
+              </a:rPr>
+              <a:t>BLOB </a:t>
+            </a:r>
+            <a:r>
+              <a:rPr lang="ko-KR" altLang="en-US" sz="2800" dirty="0">
+                <a:solidFill>
+                  <a:schemeClr val="bg1"/>
+                </a:solidFill>
+              </a:rPr>
+              <a:t>처리가 지원되지 않아 보안에 취약 </a:t>
+            </a:r>
+            <a:r>
+              <a:rPr lang="en-US" altLang="ko-KR" sz="2800" dirty="0">
+                <a:solidFill>
+                  <a:schemeClr val="bg1"/>
+                </a:solidFill>
+                <a:sym typeface="Wingdings" panose="05000000000000000000" pitchFamily="2" charset="2"/>
+              </a:rPr>
+              <a:t> </a:t>
+            </a:r>
+            <a:r>
+              <a:rPr lang="ko-KR" altLang="en-US" sz="2800" dirty="0" err="1">
+                <a:solidFill>
+                  <a:schemeClr val="bg1"/>
+                </a:solidFill>
+                <a:sym typeface="Wingdings" panose="05000000000000000000" pitchFamily="2" charset="2"/>
+              </a:rPr>
+              <a:t>동접</a:t>
+            </a:r>
+            <a:r>
+              <a:rPr lang="ko-KR" altLang="en-US" sz="2800" dirty="0">
+                <a:solidFill>
+                  <a:schemeClr val="bg1"/>
+                </a:solidFill>
+                <a:sym typeface="Wingdings" panose="05000000000000000000" pitchFamily="2" charset="2"/>
+              </a:rPr>
+              <a:t> 시 서버 부하 문제가 있으므로 대안 필요</a:t>
+            </a:r>
+            <a:r>
+              <a:rPr lang="en-US" altLang="ko-KR" sz="2800" dirty="0">
+                <a:solidFill>
+                  <a:schemeClr val="bg1"/>
+                </a:solidFill>
+                <a:sym typeface="Wingdings" panose="05000000000000000000" pitchFamily="2" charset="2"/>
+              </a:rPr>
+              <a:t>(</a:t>
+            </a:r>
+            <a:r>
+              <a:rPr lang="ko-KR" altLang="en-US" sz="2800" dirty="0">
+                <a:solidFill>
+                  <a:schemeClr val="bg1"/>
+                </a:solidFill>
+                <a:sym typeface="Wingdings" panose="05000000000000000000" pitchFamily="2" charset="2"/>
+              </a:rPr>
+              <a:t>대규모 서비스 지원 시</a:t>
+            </a:r>
+            <a:r>
+              <a:rPr lang="en-US" altLang="ko-KR" sz="2800" dirty="0">
+                <a:solidFill>
+                  <a:schemeClr val="bg1"/>
+                </a:solidFill>
+                <a:sym typeface="Wingdings" panose="05000000000000000000" pitchFamily="2" charset="2"/>
+              </a:rPr>
+              <a:t>)</a:t>
+            </a:r>
+            <a:endParaRPr lang="ko-KR" altLang="en-US" sz="2800" dirty="0">
+              <a:solidFill>
+                <a:schemeClr val="bg1"/>
+              </a:solidFill>
+            </a:endParaRPr>
+          </a:p>
+        </p:txBody>
+      </p:sp>
+    </p:spTree>
+    <p:extLst>
+      <p:ext uri="{BB962C8B-B14F-4D97-AF65-F5344CB8AC3E}">
+        <p14:creationId xmlns:p14="http://schemas.microsoft.com/office/powerpoint/2010/main" val="3339502224"/>
+      </p:ext>
+    </p:extLst>
+  </p:cSld>
+  <p:clrMapOvr>
+    <a:masterClrMapping/>
+  </p:clrMapOvr>
+</p:sld>
+</file>
+
+<file path=ppt/slides/slide9.xml><?xml version="1.0" encoding="utf-8"?>
+<p:sld xmlns:a="http://schemas.openxmlformats.org/drawingml/2006/main" xmlns:r="http://schemas.openxmlformats.org/officeDocument/2006/relationships" xmlns:p="http://schemas.openxmlformats.org/presentationml/2006/main">
+  <p:cSld>
+    <p:spTree>
+      <p:nvGrpSpPr>
+        <p:cNvPr id="1" name=""/>
+        <p:cNvGrpSpPr/>
+        <p:nvPr/>
+      </p:nvGrpSpPr>
+      <p:grpSpPr>
+        <a:xfrm>
+          <a:off x="0" y="0"/>
+          <a:ext cx="0" cy="0"/>
+          <a:chOff x="0" y="0"/>
+          <a:chExt cx="0" cy="0"/>
+        </a:xfrm>
+      </p:grpSpPr>
+      <p:pic>
+        <p:nvPicPr>
           <p:cNvPr id="2" name="그림 1" descr="7.jpg"/>
           <p:cNvPicPr>
             <a:picLocks noChangeAspect="1"/>
@@ -6433,6 +6884,40 @@
           <a:p>
             <a:pPr algn="ctr"/>
             <a:endParaRPr lang="ko-KR" altLang="en-US" dirty="0"/>
+          </a:p>
+        </p:txBody>
+      </p:sp>
+      <p:sp>
+        <p:nvSpPr>
+          <p:cNvPr id="4" name="TextBox 3"/>
+          <p:cNvSpPr txBox="1"/>
+          <p:nvPr/>
+        </p:nvSpPr>
+        <p:spPr>
+          <a:xfrm rot="16200000">
+            <a:off x="2119795" y="-999938"/>
+            <a:ext cx="615553" cy="3424760"/>
+          </a:xfrm>
+          <a:prstGeom prst="rect">
+            <a:avLst/>
+          </a:prstGeom>
+          <a:noFill/>
+        </p:spPr>
+        <p:txBody>
+          <a:bodyPr vert="eaVert" wrap="square" rtlCol="0">
+            <a:spAutoFit/>
+          </a:bodyPr>
+          <a:lstStyle/>
+          <a:p>
+            <a:pPr marL="285750" indent="-285750">
+              <a:buFont typeface="Wingdings" panose="05000000000000000000" pitchFamily="2" charset="2"/>
+              <a:buChar char="v"/>
+            </a:pPr>
+            <a:r>
+              <a:rPr lang="en-US" altLang="ko-KR" sz="2800" dirty="0"/>
+              <a:t> 5. Q &amp; A</a:t>
+            </a:r>
+            <a:endParaRPr lang="en-US" altLang="ko-KR" dirty="0"/>
           </a:p>
         </p:txBody>
       </p:sp>

--- a/LOVEPET_1조(최종).pptx
+++ b/LOVEPET_1조(최종).pptx
@@ -5,18 +5,21 @@
     <p:sldMasterId id="2147483648" r:id="rId1"/>
   </p:sldMasterIdLst>
   <p:notesMasterIdLst>
-    <p:notesMasterId r:id="rId11"/>
+    <p:notesMasterId r:id="rId14"/>
   </p:notesMasterIdLst>
   <p:sldIdLst>
     <p:sldId id="256" r:id="rId2"/>
     <p:sldId id="259" r:id="rId3"/>
     <p:sldId id="258" r:id="rId4"/>
     <p:sldId id="270" r:id="rId5"/>
-    <p:sldId id="269" r:id="rId6"/>
-    <p:sldId id="271" r:id="rId7"/>
-    <p:sldId id="260" r:id="rId8"/>
-    <p:sldId id="272" r:id="rId9"/>
-    <p:sldId id="262" r:id="rId10"/>
+    <p:sldId id="273" r:id="rId6"/>
+    <p:sldId id="274" r:id="rId7"/>
+    <p:sldId id="275" r:id="rId8"/>
+    <p:sldId id="269" r:id="rId9"/>
+    <p:sldId id="271" r:id="rId10"/>
+    <p:sldId id="260" r:id="rId11"/>
+    <p:sldId id="272" r:id="rId12"/>
+    <p:sldId id="262" r:id="rId13"/>
   </p:sldIdLst>
   <p:sldSz cx="9144000" cy="6858000" type="screen4x3"/>
   <p:notesSz cx="6858000" cy="9144000"/>
@@ -216,7 +219,7 @@
           <a:p>
             <a:fld id="{0B380440-4CF0-40AD-930E-EC150CE4ADB8}" type="datetimeFigureOut">
               <a:rPr lang="ko-KR" altLang="en-US" smtClean="0"/>
-              <a:t>2016-12-08</a:t>
+              <a:t>2016-12-11</a:t>
             </a:fld>
             <a:endParaRPr lang="ko-KR" altLang="en-US"/>
           </a:p>
@@ -681,6 +684,303 @@
 </p:notes>
 </file>
 
+<file path=ppt/notesSlides/notesSlide3.xml><?xml version="1.0" encoding="utf-8"?>
+<p:notes xmlns:a="http://schemas.openxmlformats.org/drawingml/2006/main" xmlns:r="http://schemas.openxmlformats.org/officeDocument/2006/relationships" xmlns:p="http://schemas.openxmlformats.org/presentationml/2006/main">
+  <p:cSld>
+    <p:spTree>
+      <p:nvGrpSpPr>
+        <p:cNvPr id="1" name=""/>
+        <p:cNvGrpSpPr/>
+        <p:nvPr/>
+      </p:nvGrpSpPr>
+      <p:grpSpPr>
+        <a:xfrm>
+          <a:off x="0" y="0"/>
+          <a:ext cx="0" cy="0"/>
+          <a:chOff x="0" y="0"/>
+          <a:chExt cx="0" cy="0"/>
+        </a:xfrm>
+      </p:grpSpPr>
+      <p:sp>
+        <p:nvSpPr>
+          <p:cNvPr id="2" name="슬라이드 이미지 개체 틀 1"/>
+          <p:cNvSpPr>
+            <a:spLocks noGrp="1" noRot="1" noChangeAspect="1"/>
+          </p:cNvSpPr>
+          <p:nvPr>
+            <p:ph type="sldImg"/>
+          </p:nvPr>
+        </p:nvSpPr>
+        <p:spPr/>
+      </p:sp>
+      <p:sp>
+        <p:nvSpPr>
+          <p:cNvPr id="3" name="슬라이드 노트 개체 틀 2"/>
+          <p:cNvSpPr>
+            <a:spLocks noGrp="1"/>
+          </p:cNvSpPr>
+          <p:nvPr>
+            <p:ph type="body" idx="1"/>
+          </p:nvPr>
+        </p:nvSpPr>
+        <p:spPr/>
+        <p:txBody>
+          <a:bodyPr/>
+          <a:lstStyle/>
+          <a:p>
+            <a:r>
+              <a:rPr lang="en-US" altLang="ko-KR" dirty="0"/>
+              <a:t>1</a:t>
+            </a:r>
+            <a:r>
+              <a:rPr lang="ko-KR" altLang="en-US" dirty="0"/>
+              <a:t>번하고 </a:t>
+            </a:r>
+            <a:r>
+              <a:rPr lang="en-US" altLang="ko-KR" dirty="0"/>
+              <a:t>5</a:t>
+            </a:r>
+            <a:r>
+              <a:rPr lang="ko-KR" altLang="en-US" dirty="0"/>
+              <a:t>번 통합</a:t>
+            </a:r>
+          </a:p>
+        </p:txBody>
+      </p:sp>
+      <p:sp>
+        <p:nvSpPr>
+          <p:cNvPr id="4" name="슬라이드 번호 개체 틀 3"/>
+          <p:cNvSpPr>
+            <a:spLocks noGrp="1"/>
+          </p:cNvSpPr>
+          <p:nvPr>
+            <p:ph type="sldNum" sz="quarter" idx="10"/>
+          </p:nvPr>
+        </p:nvSpPr>
+        <p:spPr/>
+        <p:txBody>
+          <a:bodyPr/>
+          <a:lstStyle/>
+          <a:p>
+            <a:fld id="{E037FE7C-F03F-4768-AF24-603F8E7F1D9D}" type="slidenum">
+              <a:rPr lang="ko-KR" altLang="en-US" smtClean="0"/>
+              <a:t>5</a:t>
+            </a:fld>
+            <a:endParaRPr lang="ko-KR" altLang="en-US"/>
+          </a:p>
+        </p:txBody>
+      </p:sp>
+    </p:spTree>
+    <p:extLst>
+      <p:ext uri="{BB962C8B-B14F-4D97-AF65-F5344CB8AC3E}">
+        <p14:creationId xmlns:p14="http://schemas.microsoft.com/office/powerpoint/2010/main" val="860370201"/>
+      </p:ext>
+    </p:extLst>
+  </p:cSld>
+  <p:clrMapOvr>
+    <a:masterClrMapping/>
+  </p:clrMapOvr>
+</p:notes>
+</file>
+
+<file path=ppt/notesSlides/notesSlide4.xml><?xml version="1.0" encoding="utf-8"?>
+<p:notes xmlns:a="http://schemas.openxmlformats.org/drawingml/2006/main" xmlns:r="http://schemas.openxmlformats.org/officeDocument/2006/relationships" xmlns:p="http://schemas.openxmlformats.org/presentationml/2006/main">
+  <p:cSld>
+    <p:spTree>
+      <p:nvGrpSpPr>
+        <p:cNvPr id="1" name=""/>
+        <p:cNvGrpSpPr/>
+        <p:nvPr/>
+      </p:nvGrpSpPr>
+      <p:grpSpPr>
+        <a:xfrm>
+          <a:off x="0" y="0"/>
+          <a:ext cx="0" cy="0"/>
+          <a:chOff x="0" y="0"/>
+          <a:chExt cx="0" cy="0"/>
+        </a:xfrm>
+      </p:grpSpPr>
+      <p:sp>
+        <p:nvSpPr>
+          <p:cNvPr id="2" name="슬라이드 이미지 개체 틀 1"/>
+          <p:cNvSpPr>
+            <a:spLocks noGrp="1" noRot="1" noChangeAspect="1"/>
+          </p:cNvSpPr>
+          <p:nvPr>
+            <p:ph type="sldImg"/>
+          </p:nvPr>
+        </p:nvSpPr>
+        <p:spPr/>
+      </p:sp>
+      <p:sp>
+        <p:nvSpPr>
+          <p:cNvPr id="3" name="슬라이드 노트 개체 틀 2"/>
+          <p:cNvSpPr>
+            <a:spLocks noGrp="1"/>
+          </p:cNvSpPr>
+          <p:nvPr>
+            <p:ph type="body" idx="1"/>
+          </p:nvPr>
+        </p:nvSpPr>
+        <p:spPr/>
+        <p:txBody>
+          <a:bodyPr/>
+          <a:lstStyle/>
+          <a:p>
+            <a:r>
+              <a:rPr lang="en-US" altLang="ko-KR" dirty="0"/>
+              <a:t>1</a:t>
+            </a:r>
+            <a:r>
+              <a:rPr lang="ko-KR" altLang="en-US" dirty="0"/>
+              <a:t>번하고 </a:t>
+            </a:r>
+            <a:r>
+              <a:rPr lang="en-US" altLang="ko-KR" dirty="0"/>
+              <a:t>5</a:t>
+            </a:r>
+            <a:r>
+              <a:rPr lang="ko-KR" altLang="en-US" dirty="0"/>
+              <a:t>번 통합</a:t>
+            </a:r>
+          </a:p>
+        </p:txBody>
+      </p:sp>
+      <p:sp>
+        <p:nvSpPr>
+          <p:cNvPr id="4" name="슬라이드 번호 개체 틀 3"/>
+          <p:cNvSpPr>
+            <a:spLocks noGrp="1"/>
+          </p:cNvSpPr>
+          <p:nvPr>
+            <p:ph type="sldNum" sz="quarter" idx="10"/>
+          </p:nvPr>
+        </p:nvSpPr>
+        <p:spPr/>
+        <p:txBody>
+          <a:bodyPr/>
+          <a:lstStyle/>
+          <a:p>
+            <a:fld id="{E037FE7C-F03F-4768-AF24-603F8E7F1D9D}" type="slidenum">
+              <a:rPr lang="ko-KR" altLang="en-US" smtClean="0"/>
+              <a:t>6</a:t>
+            </a:fld>
+            <a:endParaRPr lang="ko-KR" altLang="en-US"/>
+          </a:p>
+        </p:txBody>
+      </p:sp>
+    </p:spTree>
+    <p:extLst>
+      <p:ext uri="{BB962C8B-B14F-4D97-AF65-F5344CB8AC3E}">
+        <p14:creationId xmlns:p14="http://schemas.microsoft.com/office/powerpoint/2010/main" val="2419907052"/>
+      </p:ext>
+    </p:extLst>
+  </p:cSld>
+  <p:clrMapOvr>
+    <a:masterClrMapping/>
+  </p:clrMapOvr>
+</p:notes>
+</file>
+
+<file path=ppt/notesSlides/notesSlide5.xml><?xml version="1.0" encoding="utf-8"?>
+<p:notes xmlns:a="http://schemas.openxmlformats.org/drawingml/2006/main" xmlns:r="http://schemas.openxmlformats.org/officeDocument/2006/relationships" xmlns:p="http://schemas.openxmlformats.org/presentationml/2006/main">
+  <p:cSld>
+    <p:spTree>
+      <p:nvGrpSpPr>
+        <p:cNvPr id="1" name=""/>
+        <p:cNvGrpSpPr/>
+        <p:nvPr/>
+      </p:nvGrpSpPr>
+      <p:grpSpPr>
+        <a:xfrm>
+          <a:off x="0" y="0"/>
+          <a:ext cx="0" cy="0"/>
+          <a:chOff x="0" y="0"/>
+          <a:chExt cx="0" cy="0"/>
+        </a:xfrm>
+      </p:grpSpPr>
+      <p:sp>
+        <p:nvSpPr>
+          <p:cNvPr id="2" name="슬라이드 이미지 개체 틀 1"/>
+          <p:cNvSpPr>
+            <a:spLocks noGrp="1" noRot="1" noChangeAspect="1"/>
+          </p:cNvSpPr>
+          <p:nvPr>
+            <p:ph type="sldImg"/>
+          </p:nvPr>
+        </p:nvSpPr>
+        <p:spPr/>
+      </p:sp>
+      <p:sp>
+        <p:nvSpPr>
+          <p:cNvPr id="3" name="슬라이드 노트 개체 틀 2"/>
+          <p:cNvSpPr>
+            <a:spLocks noGrp="1"/>
+          </p:cNvSpPr>
+          <p:nvPr>
+            <p:ph type="body" idx="1"/>
+          </p:nvPr>
+        </p:nvSpPr>
+        <p:spPr/>
+        <p:txBody>
+          <a:bodyPr/>
+          <a:lstStyle/>
+          <a:p>
+            <a:r>
+              <a:rPr lang="en-US" altLang="ko-KR" dirty="0"/>
+              <a:t>1</a:t>
+            </a:r>
+            <a:r>
+              <a:rPr lang="ko-KR" altLang="en-US" dirty="0"/>
+              <a:t>번하고 </a:t>
+            </a:r>
+            <a:r>
+              <a:rPr lang="en-US" altLang="ko-KR" dirty="0"/>
+              <a:t>5</a:t>
+            </a:r>
+            <a:r>
+              <a:rPr lang="ko-KR" altLang="en-US" dirty="0"/>
+              <a:t>번 통합</a:t>
+            </a:r>
+          </a:p>
+        </p:txBody>
+      </p:sp>
+      <p:sp>
+        <p:nvSpPr>
+          <p:cNvPr id="4" name="슬라이드 번호 개체 틀 3"/>
+          <p:cNvSpPr>
+            <a:spLocks noGrp="1"/>
+          </p:cNvSpPr>
+          <p:nvPr>
+            <p:ph type="sldNum" sz="quarter" idx="10"/>
+          </p:nvPr>
+        </p:nvSpPr>
+        <p:spPr/>
+        <p:txBody>
+          <a:bodyPr/>
+          <a:lstStyle/>
+          <a:p>
+            <a:fld id="{E037FE7C-F03F-4768-AF24-603F8E7F1D9D}" type="slidenum">
+              <a:rPr lang="ko-KR" altLang="en-US" smtClean="0"/>
+              <a:t>7</a:t>
+            </a:fld>
+            <a:endParaRPr lang="ko-KR" altLang="en-US"/>
+          </a:p>
+        </p:txBody>
+      </p:sp>
+    </p:spTree>
+    <p:extLst>
+      <p:ext uri="{BB962C8B-B14F-4D97-AF65-F5344CB8AC3E}">
+        <p14:creationId xmlns:p14="http://schemas.microsoft.com/office/powerpoint/2010/main" val="2051645242"/>
+      </p:ext>
+    </p:extLst>
+  </p:cSld>
+  <p:clrMapOvr>
+    <a:masterClrMapping/>
+  </p:clrMapOvr>
+</p:notes>
+</file>
+
 <file path=ppt/slideLayouts/slideLayout1.xml><?xml version="1.0" encoding="utf-8"?>
 <p:sldLayout xmlns:a="http://schemas.openxmlformats.org/drawingml/2006/main" xmlns:r="http://schemas.openxmlformats.org/officeDocument/2006/relationships" xmlns:p="http://schemas.openxmlformats.org/presentationml/2006/main" type="title" preserve="1">
   <p:cSld name="제목 슬라이드">
@@ -860,7 +1160,7 @@
           <a:p>
             <a:fld id="{90C6EC95-27C0-440D-AA87-A76581B1DD7D}" type="datetimeFigureOut">
               <a:rPr lang="ko-KR" altLang="en-US" smtClean="0"/>
-              <a:t>2016-12-08</a:t>
+              <a:t>2016-12-11</a:t>
             </a:fld>
             <a:endParaRPr lang="ko-KR" altLang="en-US"/>
           </a:p>
@@ -1023,7 +1323,7 @@
           <a:p>
             <a:fld id="{90C6EC95-27C0-440D-AA87-A76581B1DD7D}" type="datetimeFigureOut">
               <a:rPr lang="ko-KR" altLang="en-US" smtClean="0"/>
-              <a:t>2016-12-08</a:t>
+              <a:t>2016-12-11</a:t>
             </a:fld>
             <a:endParaRPr lang="ko-KR" altLang="en-US"/>
           </a:p>
@@ -1196,7 +1496,7 @@
           <a:p>
             <a:fld id="{90C6EC95-27C0-440D-AA87-A76581B1DD7D}" type="datetimeFigureOut">
               <a:rPr lang="ko-KR" altLang="en-US" smtClean="0"/>
-              <a:t>2016-12-08</a:t>
+              <a:t>2016-12-11</a:t>
             </a:fld>
             <a:endParaRPr lang="ko-KR" altLang="en-US"/>
           </a:p>
@@ -1359,7 +1659,7 @@
           <a:p>
             <a:fld id="{90C6EC95-27C0-440D-AA87-A76581B1DD7D}" type="datetimeFigureOut">
               <a:rPr lang="ko-KR" altLang="en-US" smtClean="0"/>
-              <a:t>2016-12-08</a:t>
+              <a:t>2016-12-11</a:t>
             </a:fld>
             <a:endParaRPr lang="ko-KR" altLang="en-US"/>
           </a:p>
@@ -1599,7 +1899,7 @@
           <a:p>
             <a:fld id="{90C6EC95-27C0-440D-AA87-A76581B1DD7D}" type="datetimeFigureOut">
               <a:rPr lang="ko-KR" altLang="en-US" smtClean="0"/>
-              <a:t>2016-12-08</a:t>
+              <a:t>2016-12-11</a:t>
             </a:fld>
             <a:endParaRPr lang="ko-KR" altLang="en-US"/>
           </a:p>
@@ -1879,7 +2179,7 @@
           <a:p>
             <a:fld id="{90C6EC95-27C0-440D-AA87-A76581B1DD7D}" type="datetimeFigureOut">
               <a:rPr lang="ko-KR" altLang="en-US" smtClean="0"/>
-              <a:t>2016-12-08</a:t>
+              <a:t>2016-12-11</a:t>
             </a:fld>
             <a:endParaRPr lang="ko-KR" altLang="en-US"/>
           </a:p>
@@ -2293,7 +2593,7 @@
           <a:p>
             <a:fld id="{90C6EC95-27C0-440D-AA87-A76581B1DD7D}" type="datetimeFigureOut">
               <a:rPr lang="ko-KR" altLang="en-US" smtClean="0"/>
-              <a:t>2016-12-08</a:t>
+              <a:t>2016-12-11</a:t>
             </a:fld>
             <a:endParaRPr lang="ko-KR" altLang="en-US"/>
           </a:p>
@@ -2405,7 +2705,7 @@
           <a:p>
             <a:fld id="{90C6EC95-27C0-440D-AA87-A76581B1DD7D}" type="datetimeFigureOut">
               <a:rPr lang="ko-KR" altLang="en-US" smtClean="0"/>
-              <a:t>2016-12-08</a:t>
+              <a:t>2016-12-11</a:t>
             </a:fld>
             <a:endParaRPr lang="ko-KR" altLang="en-US"/>
           </a:p>
@@ -2495,7 +2795,7 @@
           <a:p>
             <a:fld id="{90C6EC95-27C0-440D-AA87-A76581B1DD7D}" type="datetimeFigureOut">
               <a:rPr lang="ko-KR" altLang="en-US" smtClean="0"/>
-              <a:t>2016-12-08</a:t>
+              <a:t>2016-12-11</a:t>
             </a:fld>
             <a:endParaRPr lang="ko-KR" altLang="en-US"/>
           </a:p>
@@ -2765,7 +3065,7 @@
           <a:p>
             <a:fld id="{90C6EC95-27C0-440D-AA87-A76581B1DD7D}" type="datetimeFigureOut">
               <a:rPr lang="ko-KR" altLang="en-US" smtClean="0"/>
-              <a:t>2016-12-08</a:t>
+              <a:t>2016-12-11</a:t>
             </a:fld>
             <a:endParaRPr lang="ko-KR" altLang="en-US"/>
           </a:p>
@@ -3012,7 +3312,7 @@
           <a:p>
             <a:fld id="{90C6EC95-27C0-440D-AA87-A76581B1DD7D}" type="datetimeFigureOut">
               <a:rPr lang="ko-KR" altLang="en-US" smtClean="0"/>
-              <a:t>2016-12-08</a:t>
+              <a:t>2016-12-11</a:t>
             </a:fld>
             <a:endParaRPr lang="ko-KR" altLang="en-US"/>
           </a:p>
@@ -3218,7 +3518,7 @@
           <a:p>
             <a:fld id="{90C6EC95-27C0-440D-AA87-A76581B1DD7D}" type="datetimeFigureOut">
               <a:rPr lang="ko-KR" altLang="en-US" smtClean="0"/>
-              <a:t>2016-12-08</a:t>
+              <a:t>2016-12-11</a:t>
             </a:fld>
             <a:endParaRPr lang="ko-KR" altLang="en-US"/>
           </a:p>
@@ -4727,6 +5027,781 @@
 </p:sld>
 </file>
 
+<file path=ppt/slides/slide10.xml><?xml version="1.0" encoding="utf-8"?>
+<p:sld xmlns:a="http://schemas.openxmlformats.org/drawingml/2006/main" xmlns:r="http://schemas.openxmlformats.org/officeDocument/2006/relationships" xmlns:p="http://schemas.openxmlformats.org/presentationml/2006/main">
+  <p:cSld>
+    <p:spTree>
+      <p:nvGrpSpPr>
+        <p:cNvPr id="1" name=""/>
+        <p:cNvGrpSpPr/>
+        <p:nvPr/>
+      </p:nvGrpSpPr>
+      <p:grpSpPr>
+        <a:xfrm>
+          <a:off x="0" y="0"/>
+          <a:ext cx="0" cy="0"/>
+          <a:chOff x="0" y="0"/>
+          <a:chExt cx="0" cy="0"/>
+        </a:xfrm>
+      </p:grpSpPr>
+      <p:pic>
+        <p:nvPicPr>
+          <p:cNvPr id="2" name="그림 1" descr="6.jpg"/>
+          <p:cNvPicPr>
+            <a:picLocks noChangeAspect="1"/>
+          </p:cNvPicPr>
+          <p:nvPr/>
+        </p:nvPicPr>
+        <p:blipFill>
+          <a:blip r:embed="rId2"/>
+          <a:stretch>
+            <a:fillRect/>
+          </a:stretch>
+        </p:blipFill>
+        <p:spPr>
+          <a:xfrm>
+            <a:off x="0" y="0"/>
+            <a:ext cx="4680000" cy="3574286"/>
+          </a:xfrm>
+          <a:prstGeom prst="rect">
+            <a:avLst/>
+          </a:prstGeom>
+        </p:spPr>
+      </p:pic>
+      <p:sp>
+        <p:nvSpPr>
+          <p:cNvPr id="3" name="모서리가 둥근 직사각형 2"/>
+          <p:cNvSpPr/>
+          <p:nvPr/>
+        </p:nvSpPr>
+        <p:spPr>
+          <a:xfrm>
+            <a:off x="715191" y="1214422"/>
+            <a:ext cx="7929618" cy="5357850"/>
+          </a:xfrm>
+          <a:prstGeom prst="roundRect">
+            <a:avLst/>
+          </a:prstGeom>
+          <a:solidFill>
+            <a:schemeClr val="tx1">
+              <a:alpha val="50000"/>
+            </a:schemeClr>
+          </a:solidFill>
+          <a:ln>
+            <a:noFill/>
+          </a:ln>
+        </p:spPr>
+        <p:style>
+          <a:lnRef idx="2">
+            <a:schemeClr val="accent1">
+              <a:shade val="50000"/>
+            </a:schemeClr>
+          </a:lnRef>
+          <a:fillRef idx="1">
+            <a:schemeClr val="accent1"/>
+          </a:fillRef>
+          <a:effectRef idx="0">
+            <a:schemeClr val="accent1"/>
+          </a:effectRef>
+          <a:fontRef idx="minor">
+            <a:schemeClr val="lt1"/>
+          </a:fontRef>
+        </p:style>
+        <p:txBody>
+          <a:bodyPr rtlCol="0" anchor="ctr">
+            <a:normAutofit/>
+          </a:bodyPr>
+          <a:lstStyle/>
+          <a:p>
+            <a:pPr algn="ctr"/>
+            <a:endParaRPr lang="ko-KR" altLang="en-US" dirty="0"/>
+          </a:p>
+        </p:txBody>
+      </p:sp>
+      <p:sp>
+        <p:nvSpPr>
+          <p:cNvPr id="4" name="TextBox 3"/>
+          <p:cNvSpPr txBox="1"/>
+          <p:nvPr/>
+        </p:nvSpPr>
+        <p:spPr>
+          <a:xfrm>
+            <a:off x="6429388" y="357166"/>
+            <a:ext cx="2463092" cy="707886"/>
+          </a:xfrm>
+          <a:prstGeom prst="rect">
+            <a:avLst/>
+          </a:prstGeom>
+          <a:noFill/>
+        </p:spPr>
+        <p:txBody>
+          <a:bodyPr wrap="square" rtlCol="0">
+            <a:spAutoFit/>
+          </a:bodyPr>
+          <a:lstStyle/>
+          <a:p>
+            <a:r>
+              <a:rPr lang="en-US" altLang="ko-KR" sz="4000" dirty="0" err="1">
+                <a:latin typeface="Stencil" pitchFamily="82" charset="0"/>
+              </a:rPr>
+              <a:t>lovepet</a:t>
+            </a:r>
+            <a:endParaRPr lang="ko-KR" altLang="en-US" sz="4000" dirty="0"/>
+          </a:p>
+        </p:txBody>
+      </p:sp>
+      <p:sp>
+        <p:nvSpPr>
+          <p:cNvPr id="6" name="TextBox 5"/>
+          <p:cNvSpPr txBox="1"/>
+          <p:nvPr/>
+        </p:nvSpPr>
+        <p:spPr>
+          <a:xfrm rot="16200000">
+            <a:off x="4094947" y="2938368"/>
+            <a:ext cx="954107" cy="1882997"/>
+          </a:xfrm>
+          <a:prstGeom prst="rect">
+            <a:avLst/>
+          </a:prstGeom>
+          <a:noFill/>
+        </p:spPr>
+        <p:txBody>
+          <a:bodyPr vert="eaVert" wrap="square" rtlCol="0">
+            <a:spAutoFit/>
+          </a:bodyPr>
+          <a:lstStyle/>
+          <a:p>
+            <a:pPr algn="ctr"/>
+            <a:r>
+              <a:rPr lang="ko-KR" altLang="en-US" sz="5000" b="1" dirty="0">
+                <a:solidFill>
+                  <a:schemeClr val="bg1"/>
+                </a:solidFill>
+              </a:rPr>
+              <a:t>시연</a:t>
+            </a:r>
+          </a:p>
+        </p:txBody>
+      </p:sp>
+      <p:sp>
+        <p:nvSpPr>
+          <p:cNvPr id="7" name="TextBox 6"/>
+          <p:cNvSpPr txBox="1"/>
+          <p:nvPr/>
+        </p:nvSpPr>
+        <p:spPr>
+          <a:xfrm rot="16200000">
+            <a:off x="2119795" y="-999938"/>
+            <a:ext cx="615553" cy="3424760"/>
+          </a:xfrm>
+          <a:prstGeom prst="rect">
+            <a:avLst/>
+          </a:prstGeom>
+          <a:noFill/>
+        </p:spPr>
+        <p:txBody>
+          <a:bodyPr vert="eaVert" wrap="square" rtlCol="0">
+            <a:spAutoFit/>
+          </a:bodyPr>
+          <a:lstStyle/>
+          <a:p>
+            <a:pPr marL="285750" indent="-285750">
+              <a:buFont typeface="Wingdings" panose="05000000000000000000" pitchFamily="2" charset="2"/>
+              <a:buChar char="v"/>
+            </a:pPr>
+            <a:r>
+              <a:rPr lang="en-US" altLang="ko-KR" sz="2800" dirty="0"/>
+              <a:t> 3. </a:t>
+            </a:r>
+            <a:r>
+              <a:rPr lang="ko-KR" altLang="en-US" sz="2800" dirty="0"/>
+              <a:t>최종결과</a:t>
+            </a:r>
+            <a:r>
+              <a:rPr lang="en-US" altLang="ko-KR" sz="2800" dirty="0"/>
+              <a:t>(</a:t>
+            </a:r>
+            <a:r>
+              <a:rPr lang="ko-KR" altLang="en-US" sz="2800" dirty="0"/>
+              <a:t>시연</a:t>
+            </a:r>
+            <a:r>
+              <a:rPr lang="en-US" altLang="ko-KR" sz="2800" dirty="0"/>
+              <a:t>)</a:t>
+            </a:r>
+            <a:endParaRPr lang="en-US" altLang="ko-KR" dirty="0"/>
+          </a:p>
+        </p:txBody>
+      </p:sp>
+    </p:spTree>
+  </p:cSld>
+  <p:clrMapOvr>
+    <a:masterClrMapping/>
+  </p:clrMapOvr>
+</p:sld>
+</file>
+
+<file path=ppt/slides/slide11.xml><?xml version="1.0" encoding="utf-8"?>
+<p:sld xmlns:a="http://schemas.openxmlformats.org/drawingml/2006/main" xmlns:r="http://schemas.openxmlformats.org/officeDocument/2006/relationships" xmlns:p="http://schemas.openxmlformats.org/presentationml/2006/main">
+  <p:cSld>
+    <p:spTree>
+      <p:nvGrpSpPr>
+        <p:cNvPr id="1" name=""/>
+        <p:cNvGrpSpPr/>
+        <p:nvPr/>
+      </p:nvGrpSpPr>
+      <p:grpSpPr>
+        <a:xfrm>
+          <a:off x="0" y="0"/>
+          <a:ext cx="0" cy="0"/>
+          <a:chOff x="0" y="0"/>
+          <a:chExt cx="0" cy="0"/>
+        </a:xfrm>
+      </p:grpSpPr>
+      <p:pic>
+        <p:nvPicPr>
+          <p:cNvPr id="2" name="그림 1" descr="6.jpg"/>
+          <p:cNvPicPr>
+            <a:picLocks noChangeAspect="1"/>
+          </p:cNvPicPr>
+          <p:nvPr/>
+        </p:nvPicPr>
+        <p:blipFill>
+          <a:blip r:embed="rId2"/>
+          <a:stretch>
+            <a:fillRect/>
+          </a:stretch>
+        </p:blipFill>
+        <p:spPr>
+          <a:xfrm>
+            <a:off x="0" y="0"/>
+            <a:ext cx="4680000" cy="3574286"/>
+          </a:xfrm>
+          <a:prstGeom prst="rect">
+            <a:avLst/>
+          </a:prstGeom>
+        </p:spPr>
+      </p:pic>
+      <p:sp>
+        <p:nvSpPr>
+          <p:cNvPr id="3" name="모서리가 둥근 직사각형 2"/>
+          <p:cNvSpPr/>
+          <p:nvPr/>
+        </p:nvSpPr>
+        <p:spPr>
+          <a:xfrm>
+            <a:off x="715191" y="1214422"/>
+            <a:ext cx="7929618" cy="5357850"/>
+          </a:xfrm>
+          <a:prstGeom prst="roundRect">
+            <a:avLst/>
+          </a:prstGeom>
+          <a:solidFill>
+            <a:schemeClr val="tx1">
+              <a:alpha val="50000"/>
+            </a:schemeClr>
+          </a:solidFill>
+          <a:ln>
+            <a:noFill/>
+          </a:ln>
+        </p:spPr>
+        <p:style>
+          <a:lnRef idx="2">
+            <a:schemeClr val="accent1">
+              <a:shade val="50000"/>
+            </a:schemeClr>
+          </a:lnRef>
+          <a:fillRef idx="1">
+            <a:schemeClr val="accent1"/>
+          </a:fillRef>
+          <a:effectRef idx="0">
+            <a:schemeClr val="accent1"/>
+          </a:effectRef>
+          <a:fontRef idx="minor">
+            <a:schemeClr val="lt1"/>
+          </a:fontRef>
+        </p:style>
+        <p:txBody>
+          <a:bodyPr rtlCol="0" anchor="ctr">
+            <a:normAutofit/>
+          </a:bodyPr>
+          <a:lstStyle/>
+          <a:p>
+            <a:pPr algn="ctr"/>
+            <a:endParaRPr lang="ko-KR" altLang="en-US" dirty="0"/>
+          </a:p>
+        </p:txBody>
+      </p:sp>
+      <p:sp>
+        <p:nvSpPr>
+          <p:cNvPr id="4" name="TextBox 3"/>
+          <p:cNvSpPr txBox="1"/>
+          <p:nvPr/>
+        </p:nvSpPr>
+        <p:spPr>
+          <a:xfrm>
+            <a:off x="6429388" y="357166"/>
+            <a:ext cx="2463092" cy="707886"/>
+          </a:xfrm>
+          <a:prstGeom prst="rect">
+            <a:avLst/>
+          </a:prstGeom>
+          <a:noFill/>
+        </p:spPr>
+        <p:txBody>
+          <a:bodyPr wrap="square" rtlCol="0">
+            <a:spAutoFit/>
+          </a:bodyPr>
+          <a:lstStyle/>
+          <a:p>
+            <a:r>
+              <a:rPr lang="en-US" altLang="ko-KR" sz="4000" dirty="0" err="1">
+                <a:latin typeface="Stencil" pitchFamily="82" charset="0"/>
+              </a:rPr>
+              <a:t>lovepet</a:t>
+            </a:r>
+            <a:endParaRPr lang="ko-KR" altLang="en-US" sz="4000" dirty="0"/>
+          </a:p>
+        </p:txBody>
+      </p:sp>
+      <p:sp>
+        <p:nvSpPr>
+          <p:cNvPr id="7" name="TextBox 6"/>
+          <p:cNvSpPr txBox="1"/>
+          <p:nvPr/>
+        </p:nvSpPr>
+        <p:spPr>
+          <a:xfrm rot="16200000">
+            <a:off x="2119795" y="-999938"/>
+            <a:ext cx="615553" cy="3424760"/>
+          </a:xfrm>
+          <a:prstGeom prst="rect">
+            <a:avLst/>
+          </a:prstGeom>
+          <a:noFill/>
+        </p:spPr>
+        <p:txBody>
+          <a:bodyPr vert="eaVert" wrap="square" rtlCol="0">
+            <a:spAutoFit/>
+          </a:bodyPr>
+          <a:lstStyle/>
+          <a:p>
+            <a:pPr marL="285750" indent="-285750">
+              <a:buFont typeface="Wingdings" panose="05000000000000000000" pitchFamily="2" charset="2"/>
+              <a:buChar char="v"/>
+            </a:pPr>
+            <a:r>
+              <a:rPr lang="en-US" altLang="ko-KR" sz="2800" dirty="0"/>
+              <a:t> 4. </a:t>
+            </a:r>
+            <a:r>
+              <a:rPr lang="ko-KR" altLang="en-US" sz="2800" dirty="0"/>
+              <a:t>개선 요구 사항</a:t>
+            </a:r>
+            <a:endParaRPr lang="en-US" altLang="ko-KR" dirty="0"/>
+          </a:p>
+        </p:txBody>
+      </p:sp>
+      <p:sp>
+        <p:nvSpPr>
+          <p:cNvPr id="8" name="TextBox 7"/>
+          <p:cNvSpPr txBox="1"/>
+          <p:nvPr/>
+        </p:nvSpPr>
+        <p:spPr>
+          <a:xfrm>
+            <a:off x="1043608" y="1535142"/>
+            <a:ext cx="7200800" cy="3816429"/>
+          </a:xfrm>
+          <a:prstGeom prst="rect">
+            <a:avLst/>
+          </a:prstGeom>
+          <a:noFill/>
+        </p:spPr>
+        <p:txBody>
+          <a:bodyPr wrap="square" rtlCol="0">
+            <a:spAutoFit/>
+          </a:bodyPr>
+          <a:lstStyle/>
+          <a:p>
+            <a:pPr algn="ctr"/>
+            <a:endParaRPr lang="en-US" altLang="ko-KR" dirty="0"/>
+          </a:p>
+          <a:p>
+            <a:pPr marL="342900" indent="-342900">
+              <a:buAutoNum type="arabicPeriod"/>
+            </a:pPr>
+            <a:r>
+              <a:rPr lang="ko-KR" altLang="en-US" sz="2800" dirty="0">
+                <a:solidFill>
+                  <a:schemeClr val="bg1"/>
+                </a:solidFill>
+              </a:rPr>
+              <a:t> 구매 절차를 준수하지 않아도 </a:t>
+            </a:r>
+            <a:r>
+              <a:rPr lang="en-US" altLang="ko-KR" sz="2800" dirty="0">
+                <a:solidFill>
+                  <a:schemeClr val="bg1"/>
+                </a:solidFill>
+              </a:rPr>
+              <a:t>DB</a:t>
+            </a:r>
+            <a:r>
+              <a:rPr lang="ko-KR" altLang="en-US" sz="2800" dirty="0">
+                <a:solidFill>
+                  <a:schemeClr val="bg1"/>
+                </a:solidFill>
+              </a:rPr>
+              <a:t>내 데이터 처리 </a:t>
+            </a:r>
+            <a:r>
+              <a:rPr lang="ko-KR" altLang="en-US" sz="2800" dirty="0" err="1">
+                <a:solidFill>
+                  <a:schemeClr val="bg1"/>
+                </a:solidFill>
+              </a:rPr>
+              <a:t>매커니즘</a:t>
+            </a:r>
+            <a:r>
+              <a:rPr lang="ko-KR" altLang="en-US" sz="2800" dirty="0">
+                <a:solidFill>
+                  <a:schemeClr val="bg1"/>
+                </a:solidFill>
+              </a:rPr>
+              <a:t> 필요</a:t>
+            </a:r>
+            <a:endParaRPr lang="en-US" altLang="ko-KR" sz="2800" dirty="0">
+              <a:solidFill>
+                <a:schemeClr val="bg1"/>
+              </a:solidFill>
+            </a:endParaRPr>
+          </a:p>
+          <a:p>
+            <a:pPr marL="342900" indent="-342900">
+              <a:buAutoNum type="arabicPeriod"/>
+            </a:pPr>
+            <a:r>
+              <a:rPr lang="en-US" altLang="ko-KR" sz="2800" dirty="0">
+                <a:solidFill>
+                  <a:schemeClr val="bg1"/>
+                </a:solidFill>
+              </a:rPr>
+              <a:t> </a:t>
+            </a:r>
+            <a:r>
+              <a:rPr lang="ko-KR" altLang="en-US" sz="2800" dirty="0">
+                <a:solidFill>
+                  <a:schemeClr val="bg1"/>
+                </a:solidFill>
+              </a:rPr>
+              <a:t>한 동물을 여러 마리 담거나</a:t>
+            </a:r>
+            <a:r>
+              <a:rPr lang="en-US" altLang="ko-KR" sz="2800" dirty="0">
+                <a:solidFill>
+                  <a:schemeClr val="bg1"/>
+                </a:solidFill>
+              </a:rPr>
+              <a:t> </a:t>
+            </a:r>
+            <a:r>
+              <a:rPr lang="ko-KR" altLang="en-US" sz="2800" dirty="0">
+                <a:solidFill>
+                  <a:schemeClr val="bg1"/>
+                </a:solidFill>
+              </a:rPr>
+              <a:t>결제할 때 중복을 지원하지 않아 중복 지원 필요</a:t>
+            </a:r>
+            <a:endParaRPr lang="en-US" altLang="ko-KR" sz="2800" dirty="0">
+              <a:solidFill>
+                <a:schemeClr val="bg1"/>
+              </a:solidFill>
+            </a:endParaRPr>
+          </a:p>
+          <a:p>
+            <a:pPr marL="342900" indent="-342900">
+              <a:buAutoNum type="arabicPeriod"/>
+            </a:pPr>
+            <a:r>
+              <a:rPr lang="en-US" altLang="ko-KR" sz="2800" dirty="0">
+                <a:solidFill>
+                  <a:schemeClr val="bg1"/>
+                </a:solidFill>
+              </a:rPr>
+              <a:t> </a:t>
+            </a:r>
+            <a:r>
+              <a:rPr lang="ko-KR" altLang="en-US" sz="2800" dirty="0">
+                <a:solidFill>
+                  <a:schemeClr val="bg1"/>
+                </a:solidFill>
+              </a:rPr>
+              <a:t>이미지 검색 시 바로 담기 기능 필요</a:t>
+            </a:r>
+            <a:endParaRPr lang="en-US" altLang="ko-KR" sz="2800" dirty="0">
+              <a:solidFill>
+                <a:schemeClr val="bg1"/>
+              </a:solidFill>
+            </a:endParaRPr>
+          </a:p>
+          <a:p>
+            <a:pPr marL="342900" indent="-342900">
+              <a:buAutoNum type="arabicPeriod"/>
+            </a:pPr>
+            <a:r>
+              <a:rPr lang="en-US" altLang="ko-KR" sz="2800" dirty="0">
+                <a:solidFill>
+                  <a:schemeClr val="bg1"/>
+                </a:solidFill>
+              </a:rPr>
+              <a:t> </a:t>
+            </a:r>
+            <a:r>
+              <a:rPr lang="ko-KR" altLang="en-US" sz="2800" dirty="0">
+                <a:solidFill>
+                  <a:schemeClr val="bg1"/>
+                </a:solidFill>
+              </a:rPr>
+              <a:t>이미지 </a:t>
+            </a:r>
+            <a:r>
+              <a:rPr lang="en-US" altLang="ko-KR" sz="2800" dirty="0">
+                <a:solidFill>
+                  <a:schemeClr val="bg1"/>
+                </a:solidFill>
+              </a:rPr>
+              <a:t>BLOB </a:t>
+            </a:r>
+            <a:r>
+              <a:rPr lang="ko-KR" altLang="en-US" sz="2800" dirty="0">
+                <a:solidFill>
+                  <a:schemeClr val="bg1"/>
+                </a:solidFill>
+              </a:rPr>
+              <a:t>처리가 지원되지 않아 보안에 취약 </a:t>
+            </a:r>
+            <a:r>
+              <a:rPr lang="en-US" altLang="ko-KR" sz="2800" dirty="0">
+                <a:solidFill>
+                  <a:schemeClr val="bg1"/>
+                </a:solidFill>
+                <a:sym typeface="Wingdings" panose="05000000000000000000" pitchFamily="2" charset="2"/>
+              </a:rPr>
+              <a:t> </a:t>
+            </a:r>
+            <a:r>
+              <a:rPr lang="ko-KR" altLang="en-US" sz="2800" dirty="0" err="1">
+                <a:solidFill>
+                  <a:schemeClr val="bg1"/>
+                </a:solidFill>
+                <a:sym typeface="Wingdings" panose="05000000000000000000" pitchFamily="2" charset="2"/>
+              </a:rPr>
+              <a:t>동접</a:t>
+            </a:r>
+            <a:r>
+              <a:rPr lang="ko-KR" altLang="en-US" sz="2800" dirty="0">
+                <a:solidFill>
+                  <a:schemeClr val="bg1"/>
+                </a:solidFill>
+                <a:sym typeface="Wingdings" panose="05000000000000000000" pitchFamily="2" charset="2"/>
+              </a:rPr>
+              <a:t> 시 서버 부하 문제가 있으므로 대안 필요</a:t>
+            </a:r>
+            <a:r>
+              <a:rPr lang="en-US" altLang="ko-KR" sz="2800" dirty="0">
+                <a:solidFill>
+                  <a:schemeClr val="bg1"/>
+                </a:solidFill>
+                <a:sym typeface="Wingdings" panose="05000000000000000000" pitchFamily="2" charset="2"/>
+              </a:rPr>
+              <a:t>(</a:t>
+            </a:r>
+            <a:r>
+              <a:rPr lang="ko-KR" altLang="en-US" sz="2800" dirty="0">
+                <a:solidFill>
+                  <a:schemeClr val="bg1"/>
+                </a:solidFill>
+                <a:sym typeface="Wingdings" panose="05000000000000000000" pitchFamily="2" charset="2"/>
+              </a:rPr>
+              <a:t>대규모 서비스 지원 시</a:t>
+            </a:r>
+            <a:r>
+              <a:rPr lang="en-US" altLang="ko-KR" sz="2800" dirty="0">
+                <a:solidFill>
+                  <a:schemeClr val="bg1"/>
+                </a:solidFill>
+                <a:sym typeface="Wingdings" panose="05000000000000000000" pitchFamily="2" charset="2"/>
+              </a:rPr>
+              <a:t>)</a:t>
+            </a:r>
+            <a:endParaRPr lang="ko-KR" altLang="en-US" sz="2800" dirty="0">
+              <a:solidFill>
+                <a:schemeClr val="bg1"/>
+              </a:solidFill>
+            </a:endParaRPr>
+          </a:p>
+        </p:txBody>
+      </p:sp>
+    </p:spTree>
+    <p:extLst>
+      <p:ext uri="{BB962C8B-B14F-4D97-AF65-F5344CB8AC3E}">
+        <p14:creationId xmlns:p14="http://schemas.microsoft.com/office/powerpoint/2010/main" val="3339502224"/>
+      </p:ext>
+    </p:extLst>
+  </p:cSld>
+  <p:clrMapOvr>
+    <a:masterClrMapping/>
+  </p:clrMapOvr>
+</p:sld>
+</file>
+
+<file path=ppt/slides/slide12.xml><?xml version="1.0" encoding="utf-8"?>
+<p:sld xmlns:a="http://schemas.openxmlformats.org/drawingml/2006/main" xmlns:r="http://schemas.openxmlformats.org/officeDocument/2006/relationships" xmlns:p="http://schemas.openxmlformats.org/presentationml/2006/main">
+  <p:cSld>
+    <p:spTree>
+      <p:nvGrpSpPr>
+        <p:cNvPr id="1" name=""/>
+        <p:cNvGrpSpPr/>
+        <p:nvPr/>
+      </p:nvGrpSpPr>
+      <p:grpSpPr>
+        <a:xfrm>
+          <a:off x="0" y="0"/>
+          <a:ext cx="0" cy="0"/>
+          <a:chOff x="0" y="0"/>
+          <a:chExt cx="0" cy="0"/>
+        </a:xfrm>
+      </p:grpSpPr>
+      <p:pic>
+        <p:nvPicPr>
+          <p:cNvPr id="2" name="그림 1" descr="7.jpg"/>
+          <p:cNvPicPr>
+            <a:picLocks noChangeAspect="1"/>
+          </p:cNvPicPr>
+          <p:nvPr/>
+        </p:nvPicPr>
+        <p:blipFill>
+          <a:blip r:embed="rId2"/>
+          <a:stretch>
+            <a:fillRect/>
+          </a:stretch>
+        </p:blipFill>
+        <p:spPr>
+          <a:xfrm>
+            <a:off x="1714480" y="0"/>
+            <a:ext cx="5410783" cy="4714908"/>
+          </a:xfrm>
+          <a:prstGeom prst="rect">
+            <a:avLst/>
+          </a:prstGeom>
+        </p:spPr>
+      </p:pic>
+      <p:sp>
+        <p:nvSpPr>
+          <p:cNvPr id="3" name="TextBox 2"/>
+          <p:cNvSpPr txBox="1"/>
+          <p:nvPr/>
+        </p:nvSpPr>
+        <p:spPr>
+          <a:xfrm>
+            <a:off x="1643042" y="4643446"/>
+            <a:ext cx="6357982" cy="1000132"/>
+          </a:xfrm>
+          <a:prstGeom prst="rect">
+            <a:avLst/>
+          </a:prstGeom>
+          <a:noFill/>
+        </p:spPr>
+        <p:txBody>
+          <a:bodyPr wrap="square" rtlCol="0">
+            <a:normAutofit fontScale="47500" lnSpcReduction="20000"/>
+          </a:bodyPr>
+          <a:lstStyle/>
+          <a:p>
+            <a:pPr algn="ctr"/>
+            <a:r>
+              <a:rPr lang="en-US" altLang="ko-KR" sz="7200" dirty="0">
+                <a:solidFill>
+                  <a:schemeClr val="bg1">
+                    <a:lumMod val="65000"/>
+                  </a:schemeClr>
+                </a:solidFill>
+                <a:latin typeface="Stencil" pitchFamily="82" charset="0"/>
+              </a:rPr>
+              <a:t>Thank You.</a:t>
+            </a:r>
+          </a:p>
+          <a:p>
+            <a:pPr algn="ctr"/>
+            <a:r>
+              <a:rPr lang="en-US" altLang="ko-KR" sz="7200" dirty="0">
+                <a:solidFill>
+                  <a:schemeClr val="bg1">
+                    <a:lumMod val="65000"/>
+                  </a:schemeClr>
+                </a:solidFill>
+                <a:latin typeface="Stencil" pitchFamily="82" charset="0"/>
+              </a:rPr>
+              <a:t>Q &amp; A</a:t>
+            </a:r>
+            <a:endParaRPr lang="ko-KR" altLang="en-US" sz="7200" dirty="0">
+              <a:solidFill>
+                <a:schemeClr val="bg1">
+                  <a:lumMod val="65000"/>
+                </a:schemeClr>
+              </a:solidFill>
+            </a:endParaRPr>
+          </a:p>
+          <a:p>
+            <a:pPr algn="ctr"/>
+            <a:endParaRPr lang="ko-KR" altLang="en-US" dirty="0"/>
+          </a:p>
+        </p:txBody>
+      </p:sp>
+      <p:sp>
+        <p:nvSpPr>
+          <p:cNvPr id="4" name="TextBox 3"/>
+          <p:cNvSpPr txBox="1"/>
+          <p:nvPr/>
+        </p:nvSpPr>
+        <p:spPr>
+          <a:xfrm rot="16200000">
+            <a:off x="2119795" y="-999938"/>
+            <a:ext cx="615553" cy="3424760"/>
+          </a:xfrm>
+          <a:prstGeom prst="rect">
+            <a:avLst/>
+          </a:prstGeom>
+          <a:noFill/>
+        </p:spPr>
+        <p:txBody>
+          <a:bodyPr vert="eaVert" wrap="square" rtlCol="0">
+            <a:spAutoFit/>
+          </a:bodyPr>
+          <a:lstStyle/>
+          <a:p>
+            <a:pPr marL="285750" indent="-285750">
+              <a:buFont typeface="Wingdings" panose="05000000000000000000" pitchFamily="2" charset="2"/>
+              <a:buChar char="v"/>
+            </a:pPr>
+            <a:r>
+              <a:rPr lang="en-US" altLang="ko-KR" sz="2800" dirty="0"/>
+              <a:t> 5. Q &amp; A</a:t>
+            </a:r>
+            <a:endParaRPr lang="en-US" altLang="ko-KR" dirty="0"/>
+          </a:p>
+        </p:txBody>
+      </p:sp>
+    </p:spTree>
+  </p:cSld>
+  <p:clrMapOvr>
+    <a:masterClrMapping/>
+  </p:clrMapOvr>
+</p:sld>
+</file>
+
 <file path=ppt/slides/slide2.xml><?xml version="1.0" encoding="utf-8"?>
 <p:sld xmlns:a="http://schemas.openxmlformats.org/drawingml/2006/main" xmlns:r="http://schemas.openxmlformats.org/officeDocument/2006/relationships" xmlns:p="http://schemas.openxmlformats.org/presentationml/2006/main">
   <p:cSld>
@@ -4857,8 +5932,8 @@
         </p:nvSpPr>
         <p:spPr>
           <a:xfrm>
-            <a:off x="1043608" y="1535142"/>
-            <a:ext cx="7200800" cy="4647426"/>
+            <a:off x="1043608" y="1412776"/>
+            <a:ext cx="7200800" cy="5001369"/>
           </a:xfrm>
           <a:prstGeom prst="rect">
             <a:avLst/>
@@ -4898,7 +5973,7 @@
               <a:buAutoNum type="arabicPeriod"/>
             </a:pPr>
             <a:r>
-              <a:rPr lang="ko-KR" altLang="en-US" sz="2800" dirty="0">
+              <a:rPr lang="ko-KR" altLang="en-US" sz="2500" dirty="0">
                 <a:solidFill>
                   <a:schemeClr val="bg1"/>
                 </a:solidFill>
@@ -4906,7 +5981,7 @@
               <a:t> 요구사항 분석 </a:t>
             </a:r>
             <a:r>
-              <a:rPr lang="en-US" altLang="ko-KR" sz="2800" dirty="0">
+              <a:rPr lang="en-US" altLang="ko-KR" sz="2500" dirty="0">
                 <a:solidFill>
                   <a:schemeClr val="bg1"/>
                 </a:solidFill>
@@ -4914,14 +5989,14 @@
               <a:t>&amp; </a:t>
             </a:r>
             <a:r>
-              <a:rPr lang="ko-KR" altLang="en-US" sz="2800" dirty="0">
+              <a:rPr lang="ko-KR" altLang="en-US" sz="2500" dirty="0">
                 <a:solidFill>
                   <a:schemeClr val="bg1"/>
                 </a:solidFill>
               </a:rPr>
               <a:t>변경사항</a:t>
             </a:r>
-            <a:endParaRPr lang="en-US" altLang="ko-KR" sz="2800" dirty="0">
+            <a:endParaRPr lang="en-US" altLang="ko-KR" sz="2500" dirty="0">
               <a:solidFill>
                 <a:schemeClr val="bg1"/>
               </a:solidFill>
@@ -4931,7 +6006,7 @@
             <a:pPr marL="342900" indent="-342900">
               <a:buAutoNum type="arabicPeriod"/>
             </a:pPr>
-            <a:endParaRPr lang="en-US" altLang="ko-KR" sz="2800" dirty="0">
+            <a:endParaRPr lang="en-US" altLang="ko-KR" sz="2500" dirty="0">
               <a:solidFill>
                 <a:schemeClr val="bg1"/>
               </a:solidFill>
@@ -4942,7 +6017,7 @@
               <a:buAutoNum type="arabicPeriod"/>
             </a:pPr>
             <a:r>
-              <a:rPr lang="en-US" altLang="ko-KR" sz="2800" dirty="0">
+              <a:rPr lang="en-US" altLang="ko-KR" sz="2500" dirty="0">
                 <a:solidFill>
                   <a:schemeClr val="bg1"/>
                 </a:solidFill>
@@ -4950,14 +6025,14 @@
               <a:t> ER diagram &amp; </a:t>
             </a:r>
             <a:r>
-              <a:rPr lang="ko-KR" altLang="en-US" sz="2800" dirty="0">
+              <a:rPr lang="ko-KR" altLang="en-US" sz="2500" dirty="0">
                 <a:solidFill>
                   <a:schemeClr val="bg1"/>
                 </a:solidFill>
               </a:rPr>
               <a:t>변경사항</a:t>
             </a:r>
-            <a:endParaRPr lang="en-US" altLang="ko-KR" sz="2800" dirty="0">
+            <a:endParaRPr lang="en-US" altLang="ko-KR" sz="2500" dirty="0">
               <a:solidFill>
                 <a:schemeClr val="bg1"/>
               </a:solidFill>
@@ -4967,7 +6042,7 @@
             <a:pPr marL="342900" indent="-342900">
               <a:buAutoNum type="arabicPeriod"/>
             </a:pPr>
-            <a:endParaRPr lang="en-US" altLang="ko-KR" sz="2800" dirty="0">
+            <a:endParaRPr lang="en-US" altLang="ko-KR" sz="2500" dirty="0">
               <a:solidFill>
                 <a:schemeClr val="bg1"/>
               </a:solidFill>
@@ -4978,51 +6053,14 @@
               <a:buAutoNum type="arabicPeriod"/>
             </a:pPr>
             <a:r>
-              <a:rPr lang="en-US" altLang="ko-KR" sz="2800" dirty="0">
+              <a:rPr lang="ko-KR" altLang="en-US" sz="2500" dirty="0">
                 <a:solidFill>
                   <a:schemeClr val="bg1"/>
                 </a:solidFill>
               </a:rPr>
-              <a:t> </a:t>
-            </a:r>
-            <a:r>
-              <a:rPr lang="ko-KR" altLang="en-US" sz="2800" dirty="0">
-                <a:solidFill>
-                  <a:schemeClr val="bg1"/>
-                </a:solidFill>
-              </a:rPr>
-              <a:t>최종 결과</a:t>
-            </a:r>
-            <a:r>
-              <a:rPr lang="en-US" altLang="ko-KR" sz="2800" dirty="0">
-                <a:solidFill>
-                  <a:schemeClr val="bg1"/>
-                </a:solidFill>
-              </a:rPr>
-              <a:t>(</a:t>
-            </a:r>
-            <a:r>
-              <a:rPr lang="ko-KR" altLang="en-US" sz="2800" dirty="0">
-                <a:solidFill>
-                  <a:schemeClr val="bg1"/>
-                </a:solidFill>
-              </a:rPr>
-              <a:t>시연</a:t>
-            </a:r>
-            <a:r>
-              <a:rPr lang="en-US" altLang="ko-KR" sz="2800" dirty="0">
-                <a:solidFill>
-                  <a:schemeClr val="bg1"/>
-                </a:solidFill>
-              </a:rPr>
-              <a:t>)</a:t>
-            </a:r>
-          </a:p>
-          <a:p>
-            <a:pPr marL="342900" indent="-342900">
-              <a:buAutoNum type="arabicPeriod"/>
-            </a:pPr>
-            <a:endParaRPr lang="en-US" altLang="ko-KR" sz="2800" dirty="0">
+              <a:t>데이터베이스 스키마</a:t>
+            </a:r>
+            <a:endParaRPr lang="en-US" altLang="ko-KR" sz="2500" dirty="0">
               <a:solidFill>
                 <a:schemeClr val="bg1"/>
               </a:solidFill>
@@ -5032,23 +6070,7 @@
             <a:pPr marL="342900" indent="-342900">
               <a:buAutoNum type="arabicPeriod"/>
             </a:pPr>
-            <a:r>
-              <a:rPr lang="en-US" altLang="ko-KR" sz="2800" dirty="0">
-                <a:solidFill>
-                  <a:schemeClr val="bg1"/>
-                </a:solidFill>
-              </a:rPr>
-              <a:t> </a:t>
-            </a:r>
-            <a:r>
-              <a:rPr lang="ko-KR" altLang="en-US" sz="2800" dirty="0">
-                <a:solidFill>
-                  <a:schemeClr val="bg1"/>
-                </a:solidFill>
-              </a:rPr>
-              <a:t>개선 요구 사항</a:t>
-            </a:r>
-            <a:endParaRPr lang="en-US" altLang="ko-KR" sz="2800" dirty="0">
+            <a:endParaRPr lang="en-US" altLang="ko-KR" sz="2500" dirty="0">
               <a:solidFill>
                 <a:schemeClr val="bg1"/>
               </a:solidFill>
@@ -5058,7 +6080,52 @@
             <a:pPr marL="342900" indent="-342900">
               <a:buAutoNum type="arabicPeriod"/>
             </a:pPr>
-            <a:endParaRPr lang="en-US" altLang="ko-KR" sz="2800" dirty="0">
+            <a:r>
+              <a:rPr lang="en-US" altLang="ko-KR" sz="2500" dirty="0">
+                <a:solidFill>
+                  <a:schemeClr val="bg1"/>
+                </a:solidFill>
+              </a:rPr>
+              <a:t> </a:t>
+            </a:r>
+            <a:r>
+              <a:rPr lang="ko-KR" altLang="en-US" sz="2500" dirty="0">
+                <a:solidFill>
+                  <a:schemeClr val="bg1"/>
+                </a:solidFill>
+              </a:rPr>
+              <a:t>최종 결과</a:t>
+            </a:r>
+            <a:r>
+              <a:rPr lang="en-US" altLang="ko-KR" sz="2500" dirty="0">
+                <a:solidFill>
+                  <a:schemeClr val="bg1"/>
+                </a:solidFill>
+              </a:rPr>
+              <a:t>(</a:t>
+            </a:r>
+            <a:r>
+              <a:rPr lang="ko-KR" altLang="en-US" sz="2500" dirty="0">
+                <a:solidFill>
+                  <a:schemeClr val="bg1"/>
+                </a:solidFill>
+              </a:rPr>
+              <a:t>시연</a:t>
+            </a:r>
+            <a:r>
+              <a:rPr lang="en-US" altLang="ko-KR" sz="2500" dirty="0">
+                <a:solidFill>
+                  <a:schemeClr val="bg1"/>
+                </a:solidFill>
+              </a:rPr>
+              <a:t>)</a:t>
+            </a:r>
+          </a:p>
+          <a:p>
+            <a:pPr marL="342900" indent="-342900">
+              <a:buAutoNum type="arabicPeriod"/>
+            </a:pPr>
+            <a:endParaRPr lang="en-US" altLang="ko-KR" sz="2500" dirty="0">
               <a:solidFill>
                 <a:schemeClr val="bg1"/>
               </a:solidFill>
@@ -5069,14 +6136,50 @@
               <a:buAutoNum type="arabicPeriod"/>
             </a:pPr>
             <a:r>
-              <a:rPr lang="en-US" altLang="ko-KR" sz="2800" dirty="0">
+              <a:rPr lang="en-US" altLang="ko-KR" sz="2500" dirty="0">
+                <a:solidFill>
+                  <a:schemeClr val="bg1"/>
+                </a:solidFill>
+              </a:rPr>
+              <a:t> </a:t>
+            </a:r>
+            <a:r>
+              <a:rPr lang="ko-KR" altLang="en-US" sz="2500" dirty="0">
+                <a:solidFill>
+                  <a:schemeClr val="bg1"/>
+                </a:solidFill>
+              </a:rPr>
+              <a:t>개선 요구 사항</a:t>
+            </a:r>
+            <a:endParaRPr lang="en-US" altLang="ko-KR" sz="2500" dirty="0">
+              <a:solidFill>
+                <a:schemeClr val="bg1"/>
+              </a:solidFill>
+            </a:endParaRPr>
+          </a:p>
+          <a:p>
+            <a:pPr marL="342900" indent="-342900">
+              <a:buAutoNum type="arabicPeriod"/>
+            </a:pPr>
+            <a:endParaRPr lang="en-US" altLang="ko-KR" sz="2500" dirty="0">
+              <a:solidFill>
+                <a:schemeClr val="bg1"/>
+              </a:solidFill>
+            </a:endParaRPr>
+          </a:p>
+          <a:p>
+            <a:pPr marL="342900" indent="-342900">
+              <a:buAutoNum type="arabicPeriod"/>
+            </a:pPr>
+            <a:r>
+              <a:rPr lang="en-US" altLang="ko-KR" sz="2500" dirty="0">
                 <a:solidFill>
                   <a:schemeClr val="bg1"/>
                 </a:solidFill>
               </a:rPr>
               <a:t> Q &amp; A</a:t>
             </a:r>
-            <a:endParaRPr lang="ko-KR" altLang="en-US" sz="2800" dirty="0">
+            <a:endParaRPr lang="ko-KR" altLang="en-US" sz="2500" dirty="0">
               <a:solidFill>
                 <a:schemeClr val="bg1"/>
               </a:solidFill>
@@ -5638,7 +6741,7 @@
           <p:nvPr/>
         </p:nvPicPr>
         <p:blipFill>
-          <a:blip r:embed="rId2"/>
+          <a:blip r:embed="rId3"/>
           <a:stretch>
             <a:fillRect/>
           </a:stretch>
@@ -5685,64 +6788,6 @@
               <a:t>lovepet</a:t>
             </a:r>
             <a:endParaRPr lang="ko-KR" altLang="en-US" sz="4000" dirty="0">
-              <a:solidFill>
-                <a:schemeClr val="bg1"/>
-              </a:solidFill>
-            </a:endParaRPr>
-          </a:p>
-        </p:txBody>
-      </p:sp>
-      <p:sp>
-        <p:nvSpPr>
-          <p:cNvPr id="6" name="TextBox 5"/>
-          <p:cNvSpPr txBox="1"/>
-          <p:nvPr/>
-        </p:nvSpPr>
-        <p:spPr>
-          <a:xfrm rot="16200000">
-            <a:off x="7175187" y="-758555"/>
-            <a:ext cx="615553" cy="2653576"/>
-          </a:xfrm>
-          <a:prstGeom prst="rect">
-            <a:avLst/>
-          </a:prstGeom>
-          <a:noFill/>
-        </p:spPr>
-        <p:txBody>
-          <a:bodyPr vert="eaVert" wrap="square" rtlCol="0">
-            <a:spAutoFit/>
-          </a:bodyPr>
-          <a:lstStyle/>
-          <a:p>
-            <a:pPr marL="285750" indent="-285750">
-              <a:buFont typeface="Wingdings" panose="05000000000000000000" pitchFamily="2" charset="2"/>
-              <a:buChar char="v"/>
-            </a:pPr>
-            <a:r>
-              <a:rPr lang="en-US" altLang="ko-KR" sz="2800" dirty="0">
-                <a:solidFill>
-                  <a:schemeClr val="bg1"/>
-                </a:solidFill>
-              </a:rPr>
-              <a:t> 2. ER</a:t>
-            </a:r>
-            <a:r>
-              <a:rPr lang="en-US" altLang="ko-KR" dirty="0">
-                <a:solidFill>
-                  <a:schemeClr val="bg1"/>
-                </a:solidFill>
-              </a:rPr>
-              <a:t> </a:t>
-            </a:r>
-            <a:r>
-              <a:rPr lang="en-US" altLang="ko-KR" sz="2400" dirty="0">
-                <a:solidFill>
-                  <a:schemeClr val="bg1"/>
-                </a:solidFill>
-              </a:rPr>
-              <a:t>diagram</a:t>
-            </a:r>
-            <a:endParaRPr lang="en-US" altLang="ko-KR" dirty="0">
               <a:solidFill>
                 <a:schemeClr val="bg1"/>
               </a:solidFill>
@@ -5799,61 +6844,207 @@
           </a:p>
         </p:txBody>
       </p:sp>
+      <p:sp>
+        <p:nvSpPr>
+          <p:cNvPr id="9" name="TextBox 8"/>
+          <p:cNvSpPr txBox="1"/>
+          <p:nvPr/>
+        </p:nvSpPr>
+        <p:spPr>
+          <a:xfrm rot="16200000">
+            <a:off x="6347096" y="-1586649"/>
+            <a:ext cx="615553" cy="4309761"/>
+          </a:xfrm>
+          <a:prstGeom prst="rect">
+            <a:avLst/>
+          </a:prstGeom>
+          <a:noFill/>
+        </p:spPr>
+        <p:txBody>
+          <a:bodyPr vert="eaVert" wrap="square" rtlCol="0">
+            <a:spAutoFit/>
+          </a:bodyPr>
+          <a:lstStyle/>
+          <a:p>
+            <a:pPr marL="285750" indent="-285750">
+              <a:buFont typeface="Wingdings" panose="05000000000000000000" pitchFamily="2" charset="2"/>
+              <a:buChar char="v"/>
+            </a:pPr>
+            <a:r>
+              <a:rPr lang="en-US" altLang="ko-KR" sz="2800" dirty="0">
+                <a:solidFill>
+                  <a:schemeClr val="bg1"/>
+                </a:solidFill>
+              </a:rPr>
+              <a:t> 2. </a:t>
+            </a:r>
+            <a:r>
+              <a:rPr lang="ko-KR" altLang="en-US" sz="2800" dirty="0">
+                <a:solidFill>
+                  <a:schemeClr val="bg1"/>
+                </a:solidFill>
+              </a:rPr>
+              <a:t>데이터베이스 스키마</a:t>
+            </a:r>
+            <a:endParaRPr lang="en-US" altLang="ko-KR" dirty="0">
+              <a:solidFill>
+                <a:schemeClr val="bg1"/>
+              </a:solidFill>
+            </a:endParaRPr>
+          </a:p>
+        </p:txBody>
+      </p:sp>
       <p:pic>
         <p:nvPicPr>
-          <p:cNvPr id="4" name="그림 3"/>
+          <p:cNvPr id="11" name="그림 10"/>
+          <p:cNvPicPr>
+            <a:picLocks noChangeAspect="1"/>
+          </p:cNvPicPr>
+          <p:nvPr/>
+        </p:nvPicPr>
+        <p:blipFill rotWithShape="1">
+          <a:blip r:embed="rId4"/>
+          <a:srcRect b="1029"/>
+          <a:stretch/>
+        </p:blipFill>
+        <p:spPr>
+          <a:xfrm>
+            <a:off x="342354" y="1572924"/>
+            <a:ext cx="4743450" cy="2328466"/>
+          </a:xfrm>
+          <a:prstGeom prst="rect">
+            <a:avLst/>
+          </a:prstGeom>
+        </p:spPr>
+      </p:pic>
+      <p:pic>
+        <p:nvPicPr>
+          <p:cNvPr id="13" name="그림 12"/>
           <p:cNvPicPr>
             <a:picLocks noChangeAspect="1"/>
           </p:cNvPicPr>
           <p:nvPr/>
         </p:nvPicPr>
         <p:blipFill>
-          <a:blip r:embed="rId3"/>
+          <a:blip r:embed="rId5"/>
           <a:stretch>
             <a:fillRect/>
           </a:stretch>
         </p:blipFill>
         <p:spPr>
           <a:xfrm>
-            <a:off x="1500364" y="1488523"/>
-            <a:ext cx="6296025" cy="4486275"/>
+            <a:off x="356641" y="4601294"/>
+            <a:ext cx="4714875" cy="1924050"/>
           </a:xfrm>
           <a:prstGeom prst="rect">
             <a:avLst/>
           </a:prstGeom>
-          <a:effectLst>
-            <a:softEdge rad="31750"/>
-          </a:effectLst>
         </p:spPr>
       </p:pic>
-      <p:pic>
-        <p:nvPicPr>
-          <p:cNvPr id="5" name="그림 4"/>
-          <p:cNvPicPr>
-            <a:picLocks noChangeAspect="1"/>
-          </p:cNvPicPr>
+      <p:sp>
+        <p:nvSpPr>
+          <p:cNvPr id="14" name="TextBox 13"/>
+          <p:cNvSpPr txBox="1"/>
           <p:nvPr/>
-        </p:nvPicPr>
-        <p:blipFill>
-          <a:blip r:embed="rId4"/>
-          <a:stretch>
-            <a:fillRect/>
-          </a:stretch>
-        </p:blipFill>
-        <p:spPr>
-          <a:xfrm>
-            <a:off x="1465877" y="1500907"/>
-            <a:ext cx="6295691" cy="4473891"/>
+        </p:nvSpPr>
+        <p:spPr>
+          <a:xfrm rot="16200000">
+            <a:off x="2127885" y="-971096"/>
+            <a:ext cx="615553" cy="4309761"/>
           </a:xfrm>
           <a:prstGeom prst="rect">
             <a:avLst/>
           </a:prstGeom>
-        </p:spPr>
-      </p:pic>
+          <a:noFill/>
+        </p:spPr>
+        <p:txBody>
+          <a:bodyPr vert="eaVert" wrap="square" rtlCol="0">
+            <a:spAutoFit/>
+          </a:bodyPr>
+          <a:lstStyle/>
+          <a:p>
+            <a:pPr marL="285750" indent="-285750">
+              <a:buFont typeface="Wingdings" panose="05000000000000000000" pitchFamily="2" charset="2"/>
+              <a:buChar char="v"/>
+            </a:pPr>
+            <a:r>
+              <a:rPr lang="en-US" altLang="ko-KR" sz="2800" dirty="0">
+                <a:solidFill>
+                  <a:schemeClr val="bg1"/>
+                </a:solidFill>
+              </a:rPr>
+              <a:t> </a:t>
+            </a:r>
+            <a:r>
+              <a:rPr lang="ko-KR" altLang="en-US" sz="2500" dirty="0">
+                <a:solidFill>
+                  <a:schemeClr val="bg1"/>
+                </a:solidFill>
+              </a:rPr>
+              <a:t>회원</a:t>
+            </a:r>
+            <a:endParaRPr lang="en-US" altLang="ko-KR" sz="2500" dirty="0">
+              <a:solidFill>
+                <a:schemeClr val="bg1"/>
+              </a:solidFill>
+            </a:endParaRPr>
+          </a:p>
+        </p:txBody>
+      </p:sp>
+      <p:sp>
+        <p:nvSpPr>
+          <p:cNvPr id="15" name="TextBox 14"/>
+          <p:cNvSpPr txBox="1"/>
+          <p:nvPr/>
+        </p:nvSpPr>
+        <p:spPr>
+          <a:xfrm rot="16200000">
+            <a:off x="2226828" y="2054286"/>
+            <a:ext cx="569387" cy="4309761"/>
+          </a:xfrm>
+          <a:prstGeom prst="rect">
+            <a:avLst/>
+          </a:prstGeom>
+          <a:noFill/>
+        </p:spPr>
+        <p:txBody>
+          <a:bodyPr vert="eaVert" wrap="square" rtlCol="0">
+            <a:spAutoFit/>
+          </a:bodyPr>
+          <a:lstStyle/>
+          <a:p>
+            <a:pPr marL="285750" indent="-285750">
+              <a:buFont typeface="Wingdings" panose="05000000000000000000" pitchFamily="2" charset="2"/>
+              <a:buChar char="v"/>
+            </a:pPr>
+            <a:r>
+              <a:rPr lang="en-US" altLang="ko-KR" sz="2500" dirty="0">
+                <a:solidFill>
+                  <a:schemeClr val="bg1"/>
+                </a:solidFill>
+              </a:rPr>
+              <a:t> </a:t>
+            </a:r>
+            <a:r>
+              <a:rPr lang="ko-KR" altLang="en-US" sz="2500" dirty="0">
+                <a:solidFill>
+                  <a:schemeClr val="bg1"/>
+                </a:solidFill>
+              </a:rPr>
+              <a:t>물건</a:t>
+            </a:r>
+            <a:endParaRPr lang="en-US" altLang="ko-KR" sz="2500" dirty="0">
+              <a:solidFill>
+                <a:schemeClr val="bg1"/>
+              </a:solidFill>
+            </a:endParaRPr>
+          </a:p>
+        </p:txBody>
+      </p:sp>
     </p:spTree>
     <p:extLst>
       <p:ext uri="{BB962C8B-B14F-4D97-AF65-F5344CB8AC3E}">
-        <p14:creationId xmlns:p14="http://schemas.microsoft.com/office/powerpoint/2010/main" val="423750473"/>
+        <p14:creationId xmlns:p14="http://schemas.microsoft.com/office/powerpoint/2010/main" val="2950841121"/>
       </p:ext>
     </p:extLst>
   </p:cSld>
@@ -5897,7 +7088,7 @@
           <p:nvPr/>
         </p:nvPicPr>
         <p:blipFill>
-          <a:blip r:embed="rId2"/>
+          <a:blip r:embed="rId3"/>
           <a:stretch>
             <a:fillRect/>
           </a:stretch>
@@ -5944,72 +7135,6 @@
               <a:t>lovepet</a:t>
             </a:r>
             <a:endParaRPr lang="ko-KR" altLang="en-US" sz="4000" dirty="0">
-              <a:solidFill>
-                <a:schemeClr val="bg1"/>
-              </a:solidFill>
-            </a:endParaRPr>
-          </a:p>
-        </p:txBody>
-      </p:sp>
-      <p:sp>
-        <p:nvSpPr>
-          <p:cNvPr id="6" name="TextBox 5"/>
-          <p:cNvSpPr txBox="1"/>
-          <p:nvPr/>
-        </p:nvSpPr>
-        <p:spPr>
-          <a:xfrm rot="16200000">
-            <a:off x="6527115" y="-1406627"/>
-            <a:ext cx="615553" cy="3949720"/>
-          </a:xfrm>
-          <a:prstGeom prst="rect">
-            <a:avLst/>
-          </a:prstGeom>
-          <a:noFill/>
-        </p:spPr>
-        <p:txBody>
-          <a:bodyPr vert="eaVert" wrap="square" rtlCol="0">
-            <a:spAutoFit/>
-          </a:bodyPr>
-          <a:lstStyle/>
-          <a:p>
-            <a:pPr marL="285750" indent="-285750">
-              <a:buFont typeface="Wingdings" panose="05000000000000000000" pitchFamily="2" charset="2"/>
-              <a:buChar char="v"/>
-            </a:pPr>
-            <a:r>
-              <a:rPr lang="en-US" altLang="ko-KR" sz="2800" dirty="0">
-                <a:solidFill>
-                  <a:schemeClr val="bg1"/>
-                </a:solidFill>
-              </a:rPr>
-              <a:t> 2. ER</a:t>
-            </a:r>
-            <a:r>
-              <a:rPr lang="en-US" altLang="ko-KR" dirty="0">
-                <a:solidFill>
-                  <a:schemeClr val="bg1"/>
-                </a:solidFill>
-              </a:rPr>
-              <a:t> </a:t>
-            </a:r>
-            <a:r>
-              <a:rPr lang="en-US" altLang="ko-KR" sz="2400" dirty="0">
-                <a:solidFill>
-                  <a:schemeClr val="bg1"/>
-                </a:solidFill>
-              </a:rPr>
-              <a:t>diagram </a:t>
-            </a:r>
-            <a:r>
-              <a:rPr lang="ko-KR" altLang="en-US" sz="2400" dirty="0">
-                <a:solidFill>
-                  <a:schemeClr val="bg1"/>
-                </a:solidFill>
-              </a:rPr>
-              <a:t>변경사항</a:t>
-            </a:r>
-            <a:endParaRPr lang="en-US" altLang="ko-KR" dirty="0">
               <a:solidFill>
                 <a:schemeClr val="bg1"/>
               </a:solidFill>
@@ -6068,33 +7193,6 @@
       </p:sp>
       <p:pic>
         <p:nvPicPr>
-          <p:cNvPr id="4" name="그림 3"/>
-          <p:cNvPicPr>
-            <a:picLocks noChangeAspect="1"/>
-          </p:cNvPicPr>
-          <p:nvPr/>
-        </p:nvPicPr>
-        <p:blipFill>
-          <a:blip r:embed="rId3"/>
-          <a:stretch>
-            <a:fillRect/>
-          </a:stretch>
-        </p:blipFill>
-        <p:spPr>
-          <a:xfrm>
-            <a:off x="1500364" y="1488523"/>
-            <a:ext cx="6296025" cy="4486275"/>
-          </a:xfrm>
-          <a:prstGeom prst="rect">
-            <a:avLst/>
-          </a:prstGeom>
-          <a:effectLst>
-            <a:softEdge rad="31750"/>
-          </a:effectLst>
-        </p:spPr>
-      </p:pic>
-      <p:pic>
-        <p:nvPicPr>
           <p:cNvPr id="5" name="그림 4"/>
           <p:cNvPicPr>
             <a:picLocks noChangeAspect="1"/>
@@ -6109,8 +7207,8 @@
         </p:blipFill>
         <p:spPr>
           <a:xfrm>
-            <a:off x="1465877" y="1500907"/>
-            <a:ext cx="6295691" cy="4473891"/>
+            <a:off x="285720" y="1445395"/>
+            <a:ext cx="4086225" cy="1352550"/>
           </a:xfrm>
           <a:prstGeom prst="rect">
             <a:avLst/>
@@ -6119,7 +7217,7 @@
       </p:pic>
       <p:pic>
         <p:nvPicPr>
-          <p:cNvPr id="9" name="그림 8"/>
+          <p:cNvPr id="6" name="그림 5"/>
           <p:cNvPicPr>
             <a:picLocks noChangeAspect="1"/>
           </p:cNvPicPr>
@@ -6133,18 +7231,184 @@
         </p:blipFill>
         <p:spPr>
           <a:xfrm>
-            <a:off x="1486634" y="1515269"/>
-            <a:ext cx="6274934" cy="4459530"/>
+            <a:off x="345918" y="3497892"/>
+            <a:ext cx="4133850" cy="1314450"/>
           </a:xfrm>
           <a:prstGeom prst="rect">
             <a:avLst/>
           </a:prstGeom>
         </p:spPr>
       </p:pic>
+      <p:sp>
+        <p:nvSpPr>
+          <p:cNvPr id="14" name="TextBox 13"/>
+          <p:cNvSpPr txBox="1"/>
+          <p:nvPr/>
+        </p:nvSpPr>
+        <p:spPr>
+          <a:xfrm rot="16200000">
+            <a:off x="6347096" y="-1586649"/>
+            <a:ext cx="615553" cy="4309761"/>
+          </a:xfrm>
+          <a:prstGeom prst="rect">
+            <a:avLst/>
+          </a:prstGeom>
+          <a:noFill/>
+        </p:spPr>
+        <p:txBody>
+          <a:bodyPr vert="eaVert" wrap="square" rtlCol="0">
+            <a:spAutoFit/>
+          </a:bodyPr>
+          <a:lstStyle/>
+          <a:p>
+            <a:pPr marL="285750" indent="-285750">
+              <a:buFont typeface="Wingdings" panose="05000000000000000000" pitchFamily="2" charset="2"/>
+              <a:buChar char="v"/>
+            </a:pPr>
+            <a:r>
+              <a:rPr lang="en-US" altLang="ko-KR" sz="2800" dirty="0">
+                <a:solidFill>
+                  <a:schemeClr val="bg1"/>
+                </a:solidFill>
+              </a:rPr>
+              <a:t> 2</a:t>
+            </a:r>
+            <a:r>
+              <a:rPr lang="en-US" altLang="ko-KR" sz="2800">
+                <a:solidFill>
+                  <a:schemeClr val="bg1"/>
+                </a:solidFill>
+              </a:rPr>
+              <a:t>. </a:t>
+            </a:r>
+            <a:r>
+              <a:rPr lang="ko-KR" altLang="en-US" sz="2800" dirty="0">
+                <a:solidFill>
+                  <a:schemeClr val="bg1"/>
+                </a:solidFill>
+              </a:rPr>
+              <a:t>데이터베이스 스키마</a:t>
+            </a:r>
+            <a:endParaRPr lang="en-US" altLang="ko-KR" dirty="0">
+              <a:solidFill>
+                <a:schemeClr val="bg1"/>
+              </a:solidFill>
+            </a:endParaRPr>
+          </a:p>
+        </p:txBody>
+      </p:sp>
+      <p:sp>
+        <p:nvSpPr>
+          <p:cNvPr id="15" name="TextBox 14"/>
+          <p:cNvSpPr txBox="1"/>
+          <p:nvPr/>
+        </p:nvSpPr>
+        <p:spPr>
+          <a:xfrm rot="16200000">
+            <a:off x="2216105" y="-994179"/>
+            <a:ext cx="569387" cy="4309761"/>
+          </a:xfrm>
+          <a:prstGeom prst="rect">
+            <a:avLst/>
+          </a:prstGeom>
+          <a:noFill/>
+        </p:spPr>
+        <p:txBody>
+          <a:bodyPr vert="eaVert" wrap="square" rtlCol="0">
+            <a:spAutoFit/>
+          </a:bodyPr>
+          <a:lstStyle/>
+          <a:p>
+            <a:pPr marL="285750" indent="-285750">
+              <a:buFont typeface="Wingdings" panose="05000000000000000000" pitchFamily="2" charset="2"/>
+              <a:buChar char="v"/>
+            </a:pPr>
+            <a:r>
+              <a:rPr lang="en-US" altLang="ko-KR" sz="2500" dirty="0">
+                <a:solidFill>
+                  <a:schemeClr val="bg1"/>
+                </a:solidFill>
+              </a:rPr>
+              <a:t> </a:t>
+            </a:r>
+            <a:r>
+              <a:rPr lang="ko-KR" altLang="en-US" sz="2500" dirty="0">
+                <a:solidFill>
+                  <a:schemeClr val="bg1"/>
+                </a:solidFill>
+              </a:rPr>
+              <a:t>장바구니 담기</a:t>
+            </a:r>
+            <a:endParaRPr lang="en-US" altLang="ko-KR" sz="2500" dirty="0">
+              <a:solidFill>
+                <a:schemeClr val="bg1"/>
+              </a:solidFill>
+            </a:endParaRPr>
+          </a:p>
+        </p:txBody>
+      </p:sp>
+      <p:sp>
+        <p:nvSpPr>
+          <p:cNvPr id="16" name="TextBox 15"/>
+          <p:cNvSpPr txBox="1"/>
+          <p:nvPr/>
+        </p:nvSpPr>
+        <p:spPr>
+          <a:xfrm rot="16200000">
+            <a:off x="2155907" y="1058318"/>
+            <a:ext cx="569387" cy="4309761"/>
+          </a:xfrm>
+          <a:prstGeom prst="rect">
+            <a:avLst/>
+          </a:prstGeom>
+          <a:noFill/>
+        </p:spPr>
+        <p:txBody>
+          <a:bodyPr vert="eaVert" wrap="square" rtlCol="0">
+            <a:spAutoFit/>
+          </a:bodyPr>
+          <a:lstStyle/>
+          <a:p>
+            <a:pPr marL="285750" indent="-285750">
+              <a:buFont typeface="Wingdings" panose="05000000000000000000" pitchFamily="2" charset="2"/>
+              <a:buChar char="v"/>
+            </a:pPr>
+            <a:r>
+              <a:rPr lang="en-US" altLang="ko-KR" sz="2500" dirty="0">
+                <a:solidFill>
+                  <a:schemeClr val="bg1"/>
+                </a:solidFill>
+              </a:rPr>
+              <a:t> </a:t>
+            </a:r>
+            <a:r>
+              <a:rPr lang="ko-KR" altLang="en-US" sz="2500" dirty="0" err="1">
+                <a:solidFill>
+                  <a:schemeClr val="bg1"/>
+                </a:solidFill>
+              </a:rPr>
+              <a:t>바로구매</a:t>
+            </a:r>
+            <a:r>
+              <a:rPr lang="ko-KR" altLang="en-US" sz="2500" dirty="0">
+                <a:solidFill>
+                  <a:schemeClr val="bg1"/>
+                </a:solidFill>
+              </a:rPr>
+              <a:t> 담기</a:t>
+            </a:r>
+            <a:endParaRPr lang="en-US" altLang="ko-KR" sz="2500" dirty="0">
+              <a:solidFill>
+                <a:schemeClr val="bg1"/>
+              </a:solidFill>
+            </a:endParaRPr>
+          </a:p>
+        </p:txBody>
+      </p:sp>
     </p:spTree>
     <p:extLst>
       <p:ext uri="{BB962C8B-B14F-4D97-AF65-F5344CB8AC3E}">
-        <p14:creationId xmlns:p14="http://schemas.microsoft.com/office/powerpoint/2010/main" val="3352404026"/>
+        <p14:creationId xmlns:p14="http://schemas.microsoft.com/office/powerpoint/2010/main" val="4031001135"/>
       </p:ext>
     </p:extLst>
   </p:cSld>
@@ -6157,6 +7421,14 @@
 <file path=ppt/slides/slide7.xml><?xml version="1.0" encoding="utf-8"?>
 <p:sld xmlns:a="http://schemas.openxmlformats.org/drawingml/2006/main" xmlns:r="http://schemas.openxmlformats.org/officeDocument/2006/relationships" xmlns:p="http://schemas.openxmlformats.org/presentationml/2006/main">
   <p:cSld>
+    <p:bg>
+      <p:bgPr>
+        <a:solidFill>
+          <a:schemeClr val="tx1"/>
+        </a:solidFill>
+        <a:effectLst/>
+      </p:bgPr>
+    </p:bg>
     <p:spTree>
       <p:nvGrpSpPr>
         <p:cNvPr id="1" name=""/>
@@ -6173,22 +7445,22 @@
       </p:grpSpPr>
       <p:pic>
         <p:nvPicPr>
-          <p:cNvPr id="2" name="그림 1" descr="6.jpg"/>
+          <p:cNvPr id="2" name="그림 1" descr="4.jpg"/>
           <p:cNvPicPr>
             <a:picLocks noChangeAspect="1"/>
           </p:cNvPicPr>
           <p:nvPr/>
         </p:nvPicPr>
         <p:blipFill>
-          <a:blip r:embed="rId2"/>
+          <a:blip r:embed="rId3"/>
           <a:stretch>
             <a:fillRect/>
           </a:stretch>
         </p:blipFill>
         <p:spPr>
           <a:xfrm>
-            <a:off x="0" y="0"/>
-            <a:ext cx="4680000" cy="3574286"/>
+            <a:off x="5929322" y="3844239"/>
+            <a:ext cx="3214678" cy="3013761"/>
           </a:xfrm>
           <a:prstGeom prst="rect">
             <a:avLst/>
@@ -6197,13 +7469,52 @@
       </p:pic>
       <p:sp>
         <p:nvSpPr>
-          <p:cNvPr id="3" name="모서리가 둥근 직사각형 2"/>
+          <p:cNvPr id="3" name="TextBox 2"/>
+          <p:cNvSpPr txBox="1"/>
+          <p:nvPr/>
+        </p:nvSpPr>
+        <p:spPr>
+          <a:xfrm>
+            <a:off x="285720" y="214290"/>
+            <a:ext cx="2414072" cy="707886"/>
+          </a:xfrm>
+          <a:prstGeom prst="rect">
+            <a:avLst/>
+          </a:prstGeom>
+          <a:noFill/>
+        </p:spPr>
+        <p:txBody>
+          <a:bodyPr wrap="square" rtlCol="0">
+            <a:spAutoFit/>
+          </a:bodyPr>
+          <a:lstStyle/>
+          <a:p>
+            <a:r>
+              <a:rPr lang="en-US" altLang="ko-KR" sz="4000" dirty="0" err="1">
+                <a:solidFill>
+                  <a:schemeClr val="bg1"/>
+                </a:solidFill>
+                <a:latin typeface="Stencil" pitchFamily="82" charset="0"/>
+              </a:rPr>
+              <a:t>lovepet</a:t>
+            </a:r>
+            <a:endParaRPr lang="ko-KR" altLang="en-US" sz="4000" dirty="0">
+              <a:solidFill>
+                <a:schemeClr val="bg1"/>
+              </a:solidFill>
+            </a:endParaRPr>
+          </a:p>
+        </p:txBody>
+      </p:sp>
+      <p:sp>
+        <p:nvSpPr>
+          <p:cNvPr id="12" name="모서리가 둥근 직사각형 11"/>
           <p:cNvSpPr/>
           <p:nvPr/>
         </p:nvSpPr>
         <p:spPr>
           <a:xfrm>
-            <a:off x="715191" y="1214422"/>
+            <a:off x="683568" y="1052736"/>
             <a:ext cx="7929618" cy="5357850"/>
           </a:xfrm>
           <a:prstGeom prst="roundRect">
@@ -6240,21 +7551,67 @@
           </a:bodyPr>
           <a:lstStyle/>
           <a:p>
-            <a:pPr algn="ctr"/>
             <a:endParaRPr lang="ko-KR" altLang="en-US" dirty="0"/>
           </a:p>
         </p:txBody>
       </p:sp>
-      <p:sp>
-        <p:nvSpPr>
-          <p:cNvPr id="4" name="TextBox 3"/>
+      <p:pic>
+        <p:nvPicPr>
+          <p:cNvPr id="7" name="그림 6"/>
+          <p:cNvPicPr>
+            <a:picLocks noChangeAspect="1"/>
+          </p:cNvPicPr>
+          <p:nvPr/>
+        </p:nvPicPr>
+        <p:blipFill rotWithShape="1">
+          <a:blip r:embed="rId4"/>
+          <a:srcRect t="1" b="2453"/>
+          <a:stretch/>
+        </p:blipFill>
+        <p:spPr>
+          <a:xfrm>
+            <a:off x="278150" y="1491563"/>
+            <a:ext cx="5143500" cy="1728192"/>
+          </a:xfrm>
+          <a:prstGeom prst="rect">
+            <a:avLst/>
+          </a:prstGeom>
+        </p:spPr>
+      </p:pic>
+      <p:pic>
+        <p:nvPicPr>
+          <p:cNvPr id="8" name="그림 7"/>
+          <p:cNvPicPr>
+            <a:picLocks noChangeAspect="1"/>
+          </p:cNvPicPr>
+          <p:nvPr/>
+        </p:nvPicPr>
+        <p:blipFill>
+          <a:blip r:embed="rId5"/>
+          <a:stretch>
+            <a:fillRect/>
+          </a:stretch>
+        </p:blipFill>
+        <p:spPr>
+          <a:xfrm>
+            <a:off x="278150" y="3962234"/>
+            <a:ext cx="4657725" cy="1323975"/>
+          </a:xfrm>
+          <a:prstGeom prst="rect">
+            <a:avLst/>
+          </a:prstGeom>
+        </p:spPr>
+      </p:pic>
+      <p:sp>
+        <p:nvSpPr>
+          <p:cNvPr id="11" name="TextBox 10"/>
           <p:cNvSpPr txBox="1"/>
           <p:nvPr/>
         </p:nvSpPr>
         <p:spPr>
-          <a:xfrm>
-            <a:off x="6429388" y="357166"/>
-            <a:ext cx="2463092" cy="707886"/>
+          <a:xfrm rot="16200000">
+            <a:off x="6347096" y="-1586649"/>
+            <a:ext cx="615553" cy="4309761"/>
           </a:xfrm>
           <a:prstGeom prst="rect">
             <a:avLst/>
@@ -6262,31 +7619,57 @@
           <a:noFill/>
         </p:spPr>
         <p:txBody>
-          <a:bodyPr wrap="square" rtlCol="0">
+          <a:bodyPr vert="eaVert" wrap="square" rtlCol="0">
             <a:spAutoFit/>
           </a:bodyPr>
           <a:lstStyle/>
           <a:p>
-            <a:r>
-              <a:rPr lang="en-US" altLang="ko-KR" sz="4000" dirty="0" err="1">
-                <a:latin typeface="Stencil" pitchFamily="82" charset="0"/>
+            <a:pPr marL="285750" indent="-285750">
+              <a:buFont typeface="Wingdings" panose="05000000000000000000" pitchFamily="2" charset="2"/>
+              <a:buChar char="v"/>
+            </a:pPr>
+            <a:r>
+              <a:rPr lang="en-US" altLang="ko-KR" sz="2800" dirty="0">
+                <a:solidFill>
+                  <a:schemeClr val="bg1"/>
+                </a:solidFill>
               </a:rPr>
-              <a:t>lovepet</a:t>
-            </a:r>
-            <a:endParaRPr lang="ko-KR" altLang="en-US" sz="4000" dirty="0"/>
-          </a:p>
-        </p:txBody>
-      </p:sp>
-      <p:sp>
-        <p:nvSpPr>
-          <p:cNvPr id="6" name="TextBox 5"/>
+              <a:t> 2</a:t>
+            </a:r>
+            <a:r>
+              <a:rPr lang="en-US" altLang="ko-KR" sz="2800">
+                <a:solidFill>
+                  <a:schemeClr val="bg1"/>
+                </a:solidFill>
+              </a:rPr>
+              <a:t>. </a:t>
+            </a:r>
+            <a:r>
+              <a:rPr lang="ko-KR" altLang="en-US" sz="2800" dirty="0">
+                <a:solidFill>
+                  <a:schemeClr val="bg1"/>
+                </a:solidFill>
+              </a:rPr>
+              <a:t>데이터베이스 스키마</a:t>
+            </a:r>
+            <a:endParaRPr lang="en-US" altLang="ko-KR" dirty="0">
+              <a:solidFill>
+                <a:schemeClr val="bg1"/>
+              </a:solidFill>
+            </a:endParaRPr>
+          </a:p>
+        </p:txBody>
+      </p:sp>
+      <p:sp>
+        <p:nvSpPr>
+          <p:cNvPr id="13" name="TextBox 12"/>
           <p:cNvSpPr txBox="1"/>
           <p:nvPr/>
         </p:nvSpPr>
         <p:spPr>
           <a:xfrm rot="16200000">
-            <a:off x="4094947" y="2938368"/>
-            <a:ext cx="954107" cy="1882997"/>
+            <a:off x="2148337" y="-948011"/>
+            <a:ext cx="569387" cy="4309761"/>
           </a:xfrm>
           <a:prstGeom prst="rect">
             <a:avLst/>
@@ -6299,28 +7682,44 @@
           </a:bodyPr>
           <a:lstStyle/>
           <a:p>
-            <a:pPr algn="ctr"/>
-            <a:r>
-              <a:rPr lang="ko-KR" altLang="en-US" sz="5000" b="1" dirty="0">
+            <a:pPr marL="285750" indent="-285750">
+              <a:buFont typeface="Wingdings" panose="05000000000000000000" pitchFamily="2" charset="2"/>
+              <a:buChar char="v"/>
+            </a:pPr>
+            <a:r>
+              <a:rPr lang="en-US" altLang="ko-KR" sz="2500" dirty="0">
                 <a:solidFill>
                   <a:schemeClr val="bg1"/>
                 </a:solidFill>
               </a:rPr>
-              <a:t>시연</a:t>
-            </a:r>
-          </a:p>
-        </p:txBody>
-      </p:sp>
-      <p:sp>
-        <p:nvSpPr>
-          <p:cNvPr id="7" name="TextBox 6"/>
+              <a:t> </a:t>
+            </a:r>
+            <a:r>
+              <a:rPr lang="ko-KR" altLang="en-US" sz="2500" dirty="0">
+                <a:solidFill>
+                  <a:schemeClr val="bg1"/>
+                </a:solidFill>
+              </a:rPr>
+              <a:t>지불 정보</a:t>
+            </a:r>
+            <a:endParaRPr lang="en-US" altLang="ko-KR" sz="2500" dirty="0">
+              <a:solidFill>
+                <a:schemeClr val="bg1"/>
+              </a:solidFill>
+            </a:endParaRPr>
+          </a:p>
+        </p:txBody>
+      </p:sp>
+      <p:sp>
+        <p:nvSpPr>
+          <p:cNvPr id="15" name="TextBox 14"/>
           <p:cNvSpPr txBox="1"/>
           <p:nvPr/>
         </p:nvSpPr>
         <p:spPr>
           <a:xfrm rot="16200000">
-            <a:off x="2119795" y="-999938"/>
-            <a:ext cx="615553" cy="3424760"/>
+            <a:off x="2148337" y="1522660"/>
+            <a:ext cx="569387" cy="4309761"/>
           </a:xfrm>
           <a:prstGeom prst="rect">
             <a:avLst/>
@@ -6338,30 +7737,35 @@
               <a:buChar char="v"/>
             </a:pPr>
             <a:r>
-              <a:rPr lang="en-US" altLang="ko-KR" sz="2800" dirty="0"/>
-              <a:t> 3. </a:t>
-            </a:r>
-            <a:r>
-              <a:rPr lang="ko-KR" altLang="en-US" sz="2800" dirty="0"/>
-              <a:t>최종결과</a:t>
-            </a:r>
-            <a:r>
-              <a:rPr lang="en-US" altLang="ko-KR" sz="2800" dirty="0"/>
-              <a:t>(</a:t>
-            </a:r>
-            <a:r>
-              <a:rPr lang="ko-KR" altLang="en-US" sz="2800" dirty="0"/>
-              <a:t>시연</a:t>
-            </a:r>
-            <a:r>
-              <a:rPr lang="en-US" altLang="ko-KR" sz="2800" dirty="0"/>
-              <a:t>)</a:t>
-            </a:r>
-            <a:endParaRPr lang="en-US" altLang="ko-KR" dirty="0"/>
+              <a:rPr lang="en-US" altLang="ko-KR" sz="2500" dirty="0">
+                <a:solidFill>
+                  <a:schemeClr val="bg1"/>
+                </a:solidFill>
+              </a:rPr>
+              <a:t> </a:t>
+            </a:r>
+            <a:r>
+              <a:rPr lang="ko-KR" altLang="en-US" sz="2500" dirty="0">
+                <a:solidFill>
+                  <a:schemeClr val="bg1"/>
+                </a:solidFill>
+              </a:rPr>
+              <a:t>구매 완료 번호</a:t>
+            </a:r>
+            <a:endParaRPr lang="en-US" altLang="ko-KR" sz="2500" dirty="0">
+              <a:solidFill>
+                <a:schemeClr val="bg1"/>
+              </a:solidFill>
+            </a:endParaRPr>
           </a:p>
         </p:txBody>
       </p:sp>
     </p:spTree>
+    <p:extLst>
+      <p:ext uri="{BB962C8B-B14F-4D97-AF65-F5344CB8AC3E}">
+        <p14:creationId xmlns:p14="http://schemas.microsoft.com/office/powerpoint/2010/main" val="2837922132"/>
+      </p:ext>
+    </p:extLst>
   </p:cSld>
   <p:clrMapOvr>
     <a:masterClrMapping/>
@@ -6372,6 +7776,14 @@
 <file path=ppt/slides/slide8.xml><?xml version="1.0" encoding="utf-8"?>
 <p:sld xmlns:a="http://schemas.openxmlformats.org/drawingml/2006/main" xmlns:r="http://schemas.openxmlformats.org/officeDocument/2006/relationships" xmlns:p="http://schemas.openxmlformats.org/presentationml/2006/main">
   <p:cSld>
+    <p:bg>
+      <p:bgPr>
+        <a:solidFill>
+          <a:schemeClr val="tx1"/>
+        </a:solidFill>
+        <a:effectLst/>
+      </p:bgPr>
+    </p:bg>
     <p:spTree>
       <p:nvGrpSpPr>
         <p:cNvPr id="1" name=""/>
@@ -6388,7 +7800,7 @@
       </p:grpSpPr>
       <p:pic>
         <p:nvPicPr>
-          <p:cNvPr id="2" name="그림 1" descr="6.jpg"/>
+          <p:cNvPr id="2" name="그림 1" descr="4.jpg"/>
           <p:cNvPicPr>
             <a:picLocks noChangeAspect="1"/>
           </p:cNvPicPr>
@@ -6402,8 +7814,8 @@
         </p:blipFill>
         <p:spPr>
           <a:xfrm>
-            <a:off x="0" y="0"/>
-            <a:ext cx="4680000" cy="3574286"/>
+            <a:off x="5929322" y="3844239"/>
+            <a:ext cx="3214678" cy="3013761"/>
           </a:xfrm>
           <a:prstGeom prst="rect">
             <a:avLst/>
@@ -6412,13 +7824,110 @@
       </p:pic>
       <p:sp>
         <p:nvSpPr>
-          <p:cNvPr id="3" name="모서리가 둥근 직사각형 2"/>
+          <p:cNvPr id="3" name="TextBox 2"/>
+          <p:cNvSpPr txBox="1"/>
+          <p:nvPr/>
+        </p:nvSpPr>
+        <p:spPr>
+          <a:xfrm>
+            <a:off x="285720" y="214290"/>
+            <a:ext cx="2414072" cy="707886"/>
+          </a:xfrm>
+          <a:prstGeom prst="rect">
+            <a:avLst/>
+          </a:prstGeom>
+          <a:noFill/>
+        </p:spPr>
+        <p:txBody>
+          <a:bodyPr wrap="square" rtlCol="0">
+            <a:spAutoFit/>
+          </a:bodyPr>
+          <a:lstStyle/>
+          <a:p>
+            <a:r>
+              <a:rPr lang="en-US" altLang="ko-KR" sz="4000" dirty="0" err="1">
+                <a:solidFill>
+                  <a:schemeClr val="bg1"/>
+                </a:solidFill>
+                <a:latin typeface="Stencil" pitchFamily="82" charset="0"/>
+              </a:rPr>
+              <a:t>lovepet</a:t>
+            </a:r>
+            <a:endParaRPr lang="ko-KR" altLang="en-US" sz="4000" dirty="0">
+              <a:solidFill>
+                <a:schemeClr val="bg1"/>
+              </a:solidFill>
+            </a:endParaRPr>
+          </a:p>
+        </p:txBody>
+      </p:sp>
+      <p:sp>
+        <p:nvSpPr>
+          <p:cNvPr id="6" name="TextBox 5"/>
+          <p:cNvSpPr txBox="1"/>
+          <p:nvPr/>
+        </p:nvSpPr>
+        <p:spPr>
+          <a:xfrm rot="16200000">
+            <a:off x="7175187" y="-758555"/>
+            <a:ext cx="615553" cy="2653576"/>
+          </a:xfrm>
+          <a:prstGeom prst="rect">
+            <a:avLst/>
+          </a:prstGeom>
+          <a:noFill/>
+        </p:spPr>
+        <p:txBody>
+          <a:bodyPr vert="eaVert" wrap="square" rtlCol="0">
+            <a:spAutoFit/>
+          </a:bodyPr>
+          <a:lstStyle/>
+          <a:p>
+            <a:pPr marL="285750" indent="-285750">
+              <a:buFont typeface="Wingdings" panose="05000000000000000000" pitchFamily="2" charset="2"/>
+              <a:buChar char="v"/>
+            </a:pPr>
+            <a:r>
+              <a:rPr lang="en-US" altLang="ko-KR" sz="2800" dirty="0">
+                <a:solidFill>
+                  <a:schemeClr val="bg1"/>
+                </a:solidFill>
+              </a:rPr>
+              <a:t> 2. ER</a:t>
+            </a:r>
+            <a:r>
+              <a:rPr lang="en-US" altLang="ko-KR" dirty="0">
+                <a:solidFill>
+                  <a:schemeClr val="bg1"/>
+                </a:solidFill>
+              </a:rPr>
+              <a:t> </a:t>
+            </a:r>
+            <a:r>
+              <a:rPr lang="en-US" altLang="ko-KR" sz="2400" dirty="0">
+                <a:solidFill>
+                  <a:schemeClr val="bg1"/>
+                </a:solidFill>
+              </a:rPr>
+              <a:t>diagram</a:t>
+            </a:r>
+            <a:endParaRPr lang="en-US" altLang="ko-KR" dirty="0">
+              <a:solidFill>
+                <a:schemeClr val="bg1"/>
+              </a:solidFill>
+            </a:endParaRPr>
+          </a:p>
+        </p:txBody>
+      </p:sp>
+      <p:sp>
+        <p:nvSpPr>
+          <p:cNvPr id="12" name="모서리가 둥근 직사각형 11"/>
           <p:cNvSpPr/>
           <p:nvPr/>
         </p:nvSpPr>
         <p:spPr>
           <a:xfrm>
-            <a:off x="715191" y="1214422"/>
+            <a:off x="683568" y="1052736"/>
             <a:ext cx="7929618" cy="5357850"/>
           </a:xfrm>
           <a:prstGeom prst="roundRect">
@@ -6455,326 +7964,65 @@
           </a:bodyPr>
           <a:lstStyle/>
           <a:p>
-            <a:pPr algn="ctr"/>
             <a:endParaRPr lang="ko-KR" altLang="en-US" dirty="0"/>
           </a:p>
         </p:txBody>
       </p:sp>
-      <p:sp>
-        <p:nvSpPr>
-          <p:cNvPr id="4" name="TextBox 3"/>
-          <p:cNvSpPr txBox="1"/>
+      <p:pic>
+        <p:nvPicPr>
+          <p:cNvPr id="4" name="그림 3"/>
+          <p:cNvPicPr>
+            <a:picLocks noChangeAspect="1"/>
+          </p:cNvPicPr>
           <p:nvPr/>
-        </p:nvSpPr>
+        </p:nvPicPr>
+        <p:blipFill>
+          <a:blip r:embed="rId3"/>
+          <a:stretch>
+            <a:fillRect/>
+          </a:stretch>
+        </p:blipFill>
         <p:spPr>
           <a:xfrm>
-            <a:off x="6429388" y="357166"/>
-            <a:ext cx="2463092" cy="707886"/>
+            <a:off x="1500364" y="1488523"/>
+            <a:ext cx="6296025" cy="4486275"/>
           </a:xfrm>
           <a:prstGeom prst="rect">
             <a:avLst/>
           </a:prstGeom>
-          <a:noFill/>
-        </p:spPr>
-        <p:txBody>
-          <a:bodyPr wrap="square" rtlCol="0">
-            <a:spAutoFit/>
-          </a:bodyPr>
-          <a:lstStyle/>
-          <a:p>
-            <a:r>
-              <a:rPr lang="en-US" altLang="ko-KR" sz="4000" dirty="0" err="1">
-                <a:latin typeface="Stencil" pitchFamily="82" charset="0"/>
-              </a:rPr>
-              <a:t>lovepet</a:t>
-            </a:r>
-            <a:endParaRPr lang="ko-KR" altLang="en-US" sz="4000" dirty="0"/>
-          </a:p>
-        </p:txBody>
-      </p:sp>
-      <p:sp>
-        <p:nvSpPr>
-          <p:cNvPr id="7" name="TextBox 6"/>
-          <p:cNvSpPr txBox="1"/>
+          <a:effectLst>
+            <a:softEdge rad="31750"/>
+          </a:effectLst>
+        </p:spPr>
+      </p:pic>
+      <p:pic>
+        <p:nvPicPr>
+          <p:cNvPr id="5" name="그림 4"/>
+          <p:cNvPicPr>
+            <a:picLocks noChangeAspect="1"/>
+          </p:cNvPicPr>
           <p:nvPr/>
-        </p:nvSpPr>
-        <p:spPr>
-          <a:xfrm rot="16200000">
-            <a:off x="2119795" y="-999938"/>
-            <a:ext cx="615553" cy="3424760"/>
+        </p:nvPicPr>
+        <p:blipFill>
+          <a:blip r:embed="rId4"/>
+          <a:stretch>
+            <a:fillRect/>
+          </a:stretch>
+        </p:blipFill>
+        <p:spPr>
+          <a:xfrm>
+            <a:off x="1465877" y="1500907"/>
+            <a:ext cx="6295691" cy="4473891"/>
           </a:xfrm>
           <a:prstGeom prst="rect">
             <a:avLst/>
           </a:prstGeom>
-          <a:noFill/>
-        </p:spPr>
-        <p:txBody>
-          <a:bodyPr vert="eaVert" wrap="square" rtlCol="0">
-            <a:spAutoFit/>
-          </a:bodyPr>
-          <a:lstStyle/>
-          <a:p>
-            <a:pPr marL="285750" indent="-285750">
-              <a:buFont typeface="Wingdings" panose="05000000000000000000" pitchFamily="2" charset="2"/>
-              <a:buChar char="v"/>
-            </a:pPr>
-            <a:r>
-              <a:rPr lang="en-US" altLang="ko-KR" sz="2800" dirty="0"/>
-              <a:t> 4. </a:t>
-            </a:r>
-            <a:r>
-              <a:rPr lang="ko-KR" altLang="en-US" sz="2800" dirty="0"/>
-              <a:t>개선 요구 사항</a:t>
-            </a:r>
-            <a:endParaRPr lang="en-US" altLang="ko-KR" dirty="0"/>
-          </a:p>
-        </p:txBody>
-      </p:sp>
-      <p:sp>
-        <p:nvSpPr>
-          <p:cNvPr id="8" name="TextBox 7"/>
-          <p:cNvSpPr txBox="1"/>
-          <p:nvPr/>
-        </p:nvSpPr>
-        <p:spPr>
-          <a:xfrm>
-            <a:off x="1043608" y="1535142"/>
-            <a:ext cx="7200800" cy="4678204"/>
-          </a:xfrm>
-          <a:prstGeom prst="rect">
-            <a:avLst/>
-          </a:prstGeom>
-          <a:noFill/>
-        </p:spPr>
-        <p:txBody>
-          <a:bodyPr wrap="square" rtlCol="0">
-            <a:spAutoFit/>
-          </a:bodyPr>
-          <a:lstStyle/>
-          <a:p>
-            <a:pPr algn="ctr"/>
-            <a:endParaRPr lang="en-US" altLang="ko-KR" dirty="0"/>
-          </a:p>
-          <a:p>
-            <a:pPr marL="342900" indent="-342900">
-              <a:buAutoNum type="arabicPeriod"/>
-            </a:pPr>
-            <a:r>
-              <a:rPr lang="ko-KR" altLang="en-US" sz="2800" dirty="0">
-                <a:solidFill>
-                  <a:schemeClr val="bg1"/>
-                </a:solidFill>
-              </a:rPr>
-              <a:t> 구매 절차를 준수하지 않아도 </a:t>
-            </a:r>
-            <a:r>
-              <a:rPr lang="en-US" altLang="ko-KR" sz="2800" dirty="0">
-                <a:solidFill>
-                  <a:schemeClr val="bg1"/>
-                </a:solidFill>
-              </a:rPr>
-              <a:t>DB</a:t>
-            </a:r>
-            <a:r>
-              <a:rPr lang="ko-KR" altLang="en-US" sz="2800" dirty="0">
-                <a:solidFill>
-                  <a:schemeClr val="bg1"/>
-                </a:solidFill>
-              </a:rPr>
-              <a:t>내 데이터 처리 </a:t>
-            </a:r>
-            <a:r>
-              <a:rPr lang="ko-KR" altLang="en-US" sz="2800" dirty="0" err="1">
-                <a:solidFill>
-                  <a:schemeClr val="bg1"/>
-                </a:solidFill>
-              </a:rPr>
-              <a:t>매커니즘</a:t>
-            </a:r>
-            <a:r>
-              <a:rPr lang="ko-KR" altLang="en-US" sz="2800" dirty="0">
-                <a:solidFill>
-                  <a:schemeClr val="bg1"/>
-                </a:solidFill>
-              </a:rPr>
-              <a:t> 필요</a:t>
-            </a:r>
-            <a:endParaRPr lang="en-US" altLang="ko-KR" sz="2800" dirty="0">
-              <a:solidFill>
-                <a:schemeClr val="bg1"/>
-              </a:solidFill>
-            </a:endParaRPr>
-          </a:p>
-          <a:p>
-            <a:pPr marL="342900" indent="-342900">
-              <a:buAutoNum type="arabicPeriod"/>
-            </a:pPr>
-            <a:r>
-              <a:rPr lang="en-US" altLang="ko-KR" sz="2800" dirty="0">
-                <a:solidFill>
-                  <a:schemeClr val="bg1"/>
-                </a:solidFill>
-              </a:rPr>
-              <a:t> </a:t>
-            </a:r>
-            <a:r>
-              <a:rPr lang="ko-KR" altLang="en-US" sz="2800" dirty="0">
-                <a:solidFill>
-                  <a:schemeClr val="bg1"/>
-                </a:solidFill>
-              </a:rPr>
-              <a:t>한 동물을 여러 마리 담거나</a:t>
-            </a:r>
-            <a:r>
-              <a:rPr lang="en-US" altLang="ko-KR" sz="2800" dirty="0">
-                <a:solidFill>
-                  <a:schemeClr val="bg1"/>
-                </a:solidFill>
-              </a:rPr>
-              <a:t> </a:t>
-            </a:r>
-            <a:r>
-              <a:rPr lang="ko-KR" altLang="en-US" sz="2800" dirty="0">
-                <a:solidFill>
-                  <a:schemeClr val="bg1"/>
-                </a:solidFill>
-              </a:rPr>
-              <a:t>결제할 때 중복을 지원하지 않아 중복 지원 필요</a:t>
-            </a:r>
-            <a:endParaRPr lang="en-US" altLang="ko-KR" sz="2800" dirty="0">
-              <a:solidFill>
-                <a:schemeClr val="bg1"/>
-              </a:solidFill>
-            </a:endParaRPr>
-          </a:p>
-          <a:p>
-            <a:pPr marL="342900" indent="-342900">
-              <a:buAutoNum type="arabicPeriod"/>
-            </a:pPr>
-            <a:r>
-              <a:rPr lang="en-US" altLang="ko-KR" sz="2800" dirty="0">
-                <a:solidFill>
-                  <a:schemeClr val="bg1"/>
-                </a:solidFill>
-              </a:rPr>
-              <a:t> </a:t>
-            </a:r>
-            <a:r>
-              <a:rPr lang="ko-KR" altLang="en-US" sz="2800" dirty="0">
-                <a:solidFill>
-                  <a:schemeClr val="bg1"/>
-                </a:solidFill>
-              </a:rPr>
-              <a:t>결제 후 완전한 결제 기록에만 저장되고 회원이 따로 결제 완료된 상황을 확인하는 페이지를 지원하지 않음</a:t>
-            </a:r>
-            <a:endParaRPr lang="en-US" altLang="ko-KR" sz="2800" dirty="0">
-              <a:solidFill>
-                <a:schemeClr val="bg1"/>
-              </a:solidFill>
-            </a:endParaRPr>
-          </a:p>
-          <a:p>
-            <a:pPr marL="342900" indent="-342900">
-              <a:buAutoNum type="arabicPeriod"/>
-            </a:pPr>
-            <a:r>
-              <a:rPr lang="en-US" altLang="ko-KR" sz="2800" dirty="0">
-                <a:solidFill>
-                  <a:schemeClr val="bg1"/>
-                </a:solidFill>
-              </a:rPr>
-              <a:t> </a:t>
-            </a:r>
-            <a:r>
-              <a:rPr lang="ko-KR" altLang="en-US" sz="2800" dirty="0">
-                <a:solidFill>
-                  <a:schemeClr val="bg1"/>
-                </a:solidFill>
-              </a:rPr>
-              <a:t>이미지 </a:t>
-            </a:r>
-            <a:r>
-              <a:rPr lang="en-US" altLang="ko-KR" sz="2800" dirty="0">
-                <a:solidFill>
-                  <a:schemeClr val="bg1"/>
-                </a:solidFill>
-              </a:rPr>
-              <a:t>BLOB </a:t>
-            </a:r>
-            <a:r>
-              <a:rPr lang="ko-KR" altLang="en-US" sz="2800" dirty="0">
-                <a:solidFill>
-                  <a:schemeClr val="bg1"/>
-                </a:solidFill>
-              </a:rPr>
-              <a:t>처리가 지원되지 않아 보안에 취약 </a:t>
-            </a:r>
-            <a:r>
-              <a:rPr lang="en-US" altLang="ko-KR" sz="2800" dirty="0">
-                <a:solidFill>
-                  <a:schemeClr val="bg1"/>
-                </a:solidFill>
-                <a:sym typeface="Wingdings" panose="05000000000000000000" pitchFamily="2" charset="2"/>
-              </a:rPr>
-              <a:t> </a:t>
-            </a:r>
-            <a:r>
-              <a:rPr lang="ko-KR" altLang="en-US" sz="2800" dirty="0" err="1">
-                <a:solidFill>
-                  <a:schemeClr val="bg1"/>
-                </a:solidFill>
-                <a:sym typeface="Wingdings" panose="05000000000000000000" pitchFamily="2" charset="2"/>
-              </a:rPr>
-              <a:t>동접</a:t>
-            </a:r>
-            <a:r>
-              <a:rPr lang="ko-KR" altLang="en-US" sz="2800" dirty="0">
-                <a:solidFill>
-                  <a:schemeClr val="bg1"/>
-                </a:solidFill>
-                <a:sym typeface="Wingdings" panose="05000000000000000000" pitchFamily="2" charset="2"/>
-              </a:rPr>
-              <a:t> 시 서버 부하 문제가 있으므로 대안 필요</a:t>
-            </a:r>
-            <a:r>
-              <a:rPr lang="en-US" altLang="ko-KR" sz="2800" dirty="0">
-                <a:solidFill>
-                  <a:schemeClr val="bg1"/>
-                </a:solidFill>
-                <a:sym typeface="Wingdings" panose="05000000000000000000" pitchFamily="2" charset="2"/>
-              </a:rPr>
-              <a:t>(</a:t>
-            </a:r>
-            <a:r>
-              <a:rPr lang="ko-KR" altLang="en-US" sz="2800" dirty="0">
-                <a:solidFill>
-                  <a:schemeClr val="bg1"/>
-                </a:solidFill>
-                <a:sym typeface="Wingdings" panose="05000000000000000000" pitchFamily="2" charset="2"/>
-              </a:rPr>
-              <a:t>대규모 서비스 지원 시</a:t>
-            </a:r>
-            <a:r>
-              <a:rPr lang="en-US" altLang="ko-KR" sz="2800" dirty="0">
-                <a:solidFill>
-                  <a:schemeClr val="bg1"/>
-                </a:solidFill>
-                <a:sym typeface="Wingdings" panose="05000000000000000000" pitchFamily="2" charset="2"/>
-              </a:rPr>
-              <a:t>)</a:t>
-            </a:r>
-            <a:endParaRPr lang="ko-KR" altLang="en-US" sz="2800" dirty="0">
-              <a:solidFill>
-                <a:schemeClr val="bg1"/>
-              </a:solidFill>
-            </a:endParaRPr>
-          </a:p>
-        </p:txBody>
-      </p:sp>
+        </p:spPr>
+      </p:pic>
     </p:spTree>
     <p:extLst>
       <p:ext uri="{BB962C8B-B14F-4D97-AF65-F5344CB8AC3E}">
-        <p14:creationId xmlns:p14="http://schemas.microsoft.com/office/powerpoint/2010/main" val="3339502224"/>
+        <p14:creationId xmlns:p14="http://schemas.microsoft.com/office/powerpoint/2010/main" val="423750473"/>
       </p:ext>
     </p:extLst>
   </p:cSld>
@@ -6787,6 +8035,14 @@
 <file path=ppt/slides/slide9.xml><?xml version="1.0" encoding="utf-8"?>
 <p:sld xmlns:a="http://schemas.openxmlformats.org/drawingml/2006/main" xmlns:r="http://schemas.openxmlformats.org/officeDocument/2006/relationships" xmlns:p="http://schemas.openxmlformats.org/presentationml/2006/main">
   <p:cSld>
+    <p:bg>
+      <p:bgPr>
+        <a:solidFill>
+          <a:schemeClr val="tx1"/>
+        </a:solidFill>
+        <a:effectLst/>
+      </p:bgPr>
+    </p:bg>
     <p:spTree>
       <p:nvGrpSpPr>
         <p:cNvPr id="1" name=""/>
@@ -6803,7 +8059,7 @@
       </p:grpSpPr>
       <p:pic>
         <p:nvPicPr>
-          <p:cNvPr id="2" name="그림 1" descr="7.jpg"/>
+          <p:cNvPr id="2" name="그림 1" descr="4.jpg"/>
           <p:cNvPicPr>
             <a:picLocks noChangeAspect="1"/>
           </p:cNvPicPr>
@@ -6817,8 +8073,8 @@
         </p:blipFill>
         <p:spPr>
           <a:xfrm>
-            <a:off x="1714480" y="0"/>
-            <a:ext cx="5410783" cy="4714908"/>
+            <a:off x="5929322" y="3844239"/>
+            <a:ext cx="3214678" cy="3013761"/>
           </a:xfrm>
           <a:prstGeom prst="rect">
             <a:avLst/>
@@ -6833,8 +8089,8 @@
         </p:nvSpPr>
         <p:spPr>
           <a:xfrm>
-            <a:off x="1643042" y="4643446"/>
-            <a:ext cx="6357982" cy="1000132"/>
+            <a:off x="285720" y="214290"/>
+            <a:ext cx="2414072" cy="707886"/>
           </a:xfrm>
           <a:prstGeom prst="rect">
             <a:avLst/>
@@ -6843,60 +8099,37 @@
         </p:spPr>
         <p:txBody>
           <a:bodyPr wrap="square" rtlCol="0">
-            <a:normAutofit fontScale="47500" lnSpcReduction="20000"/>
+            <a:spAutoFit/>
           </a:bodyPr>
           <a:lstStyle/>
           <a:p>
-            <a:pPr algn="ctr"/>
-            <a:r>
-              <a:rPr lang="en-US" altLang="ko-KR" sz="7200" dirty="0">
-                <a:solidFill>
-                  <a:schemeClr val="bg1">
-                    <a:lumMod val="65000"/>
-                  </a:schemeClr>
+            <a:r>
+              <a:rPr lang="en-US" altLang="ko-KR" sz="4000" dirty="0" err="1">
+                <a:solidFill>
+                  <a:schemeClr val="bg1"/>
                 </a:solidFill>
                 <a:latin typeface="Stencil" pitchFamily="82" charset="0"/>
               </a:rPr>
-              <a:t>Thank You.</a:t>
-            </a:r>
-          </a:p>
-          <a:p>
-            <a:pPr algn="ctr"/>
-            <a:r>
-              <a:rPr lang="en-US" altLang="ko-KR" sz="7200" dirty="0">
-                <a:solidFill>
-                  <a:schemeClr val="bg1">
-                    <a:lumMod val="65000"/>
-                  </a:schemeClr>
-                </a:solidFill>
-                <a:latin typeface="Stencil" pitchFamily="82" charset="0"/>
-              </a:rPr>
-              <a:t>Q &amp; A</a:t>
-            </a:r>
-            <a:endParaRPr lang="ko-KR" altLang="en-US" sz="7200" dirty="0">
+              <a:t>lovepet</a:t>
+            </a:r>
+            <a:endParaRPr lang="ko-KR" altLang="en-US" sz="4000" dirty="0">
               <a:solidFill>
-                <a:schemeClr val="bg1">
-                  <a:lumMod val="65000"/>
-                </a:schemeClr>
+                <a:schemeClr val="bg1"/>
               </a:solidFill>
             </a:endParaRPr>
           </a:p>
-          <a:p>
-            <a:pPr algn="ctr"/>
-            <a:endParaRPr lang="ko-KR" altLang="en-US" dirty="0"/>
-          </a:p>
-        </p:txBody>
-      </p:sp>
-      <p:sp>
-        <p:nvSpPr>
-          <p:cNvPr id="4" name="TextBox 3"/>
+        </p:txBody>
+      </p:sp>
+      <p:sp>
+        <p:nvSpPr>
+          <p:cNvPr id="6" name="TextBox 5"/>
           <p:cNvSpPr txBox="1"/>
           <p:nvPr/>
         </p:nvSpPr>
         <p:spPr>
           <a:xfrm rot="16200000">
-            <a:off x="2119795" y="-999938"/>
-            <a:ext cx="615553" cy="3424760"/>
+            <a:off x="6527115" y="-1406627"/>
+            <a:ext cx="615553" cy="3949720"/>
           </a:xfrm>
           <a:prstGeom prst="rect">
             <a:avLst/>
@@ -6914,14 +8147,175 @@
               <a:buChar char="v"/>
             </a:pPr>
             <a:r>
-              <a:rPr lang="en-US" altLang="ko-KR" sz="2800" dirty="0"/>
-              <a:t> 5. Q &amp; A</a:t>
-            </a:r>
-            <a:endParaRPr lang="en-US" altLang="ko-KR" dirty="0"/>
-          </a:p>
-        </p:txBody>
-      </p:sp>
+              <a:rPr lang="en-US" altLang="ko-KR" sz="2800" dirty="0">
+                <a:solidFill>
+                  <a:schemeClr val="bg1"/>
+                </a:solidFill>
+              </a:rPr>
+              <a:t> 2. ER</a:t>
+            </a:r>
+            <a:r>
+              <a:rPr lang="en-US" altLang="ko-KR" dirty="0">
+                <a:solidFill>
+                  <a:schemeClr val="bg1"/>
+                </a:solidFill>
+              </a:rPr>
+              <a:t> </a:t>
+            </a:r>
+            <a:r>
+              <a:rPr lang="en-US" altLang="ko-KR" sz="2400" dirty="0">
+                <a:solidFill>
+                  <a:schemeClr val="bg1"/>
+                </a:solidFill>
+              </a:rPr>
+              <a:t>diagram </a:t>
+            </a:r>
+            <a:r>
+              <a:rPr lang="ko-KR" altLang="en-US" sz="2400" dirty="0">
+                <a:solidFill>
+                  <a:schemeClr val="bg1"/>
+                </a:solidFill>
+              </a:rPr>
+              <a:t>변경사항</a:t>
+            </a:r>
+            <a:endParaRPr lang="en-US" altLang="ko-KR" dirty="0">
+              <a:solidFill>
+                <a:schemeClr val="bg1"/>
+              </a:solidFill>
+            </a:endParaRPr>
+          </a:p>
+        </p:txBody>
+      </p:sp>
+      <p:sp>
+        <p:nvSpPr>
+          <p:cNvPr id="12" name="모서리가 둥근 직사각형 11"/>
+          <p:cNvSpPr/>
+          <p:nvPr/>
+        </p:nvSpPr>
+        <p:spPr>
+          <a:xfrm>
+            <a:off x="683568" y="1052736"/>
+            <a:ext cx="7929618" cy="5357850"/>
+          </a:xfrm>
+          <a:prstGeom prst="roundRect">
+            <a:avLst/>
+          </a:prstGeom>
+          <a:solidFill>
+            <a:schemeClr val="tx1">
+              <a:alpha val="50000"/>
+            </a:schemeClr>
+          </a:solidFill>
+          <a:ln>
+            <a:noFill/>
+          </a:ln>
+        </p:spPr>
+        <p:style>
+          <a:lnRef idx="2">
+            <a:schemeClr val="accent1">
+              <a:shade val="50000"/>
+            </a:schemeClr>
+          </a:lnRef>
+          <a:fillRef idx="1">
+            <a:schemeClr val="accent1"/>
+          </a:fillRef>
+          <a:effectRef idx="0">
+            <a:schemeClr val="accent1"/>
+          </a:effectRef>
+          <a:fontRef idx="minor">
+            <a:schemeClr val="lt1"/>
+          </a:fontRef>
+        </p:style>
+        <p:txBody>
+          <a:bodyPr rtlCol="0" anchor="ctr">
+            <a:normAutofit/>
+          </a:bodyPr>
+          <a:lstStyle/>
+          <a:p>
+            <a:endParaRPr lang="ko-KR" altLang="en-US" dirty="0"/>
+          </a:p>
+        </p:txBody>
+      </p:sp>
+      <p:pic>
+        <p:nvPicPr>
+          <p:cNvPr id="4" name="그림 3"/>
+          <p:cNvPicPr>
+            <a:picLocks noChangeAspect="1"/>
+          </p:cNvPicPr>
+          <p:nvPr/>
+        </p:nvPicPr>
+        <p:blipFill>
+          <a:blip r:embed="rId3"/>
+          <a:stretch>
+            <a:fillRect/>
+          </a:stretch>
+        </p:blipFill>
+        <p:spPr>
+          <a:xfrm>
+            <a:off x="1500364" y="1488523"/>
+            <a:ext cx="6296025" cy="4486275"/>
+          </a:xfrm>
+          <a:prstGeom prst="rect">
+            <a:avLst/>
+          </a:prstGeom>
+          <a:effectLst>
+            <a:softEdge rad="31750"/>
+          </a:effectLst>
+        </p:spPr>
+      </p:pic>
+      <p:pic>
+        <p:nvPicPr>
+          <p:cNvPr id="5" name="그림 4"/>
+          <p:cNvPicPr>
+            <a:picLocks noChangeAspect="1"/>
+          </p:cNvPicPr>
+          <p:nvPr/>
+        </p:nvPicPr>
+        <p:blipFill>
+          <a:blip r:embed="rId4"/>
+          <a:stretch>
+            <a:fillRect/>
+          </a:stretch>
+        </p:blipFill>
+        <p:spPr>
+          <a:xfrm>
+            <a:off x="1465877" y="1500907"/>
+            <a:ext cx="6295691" cy="4473891"/>
+          </a:xfrm>
+          <a:prstGeom prst="rect">
+            <a:avLst/>
+          </a:prstGeom>
+        </p:spPr>
+      </p:pic>
+      <p:pic>
+        <p:nvPicPr>
+          <p:cNvPr id="9" name="그림 8"/>
+          <p:cNvPicPr>
+            <a:picLocks noChangeAspect="1"/>
+          </p:cNvPicPr>
+          <p:nvPr/>
+        </p:nvPicPr>
+        <p:blipFill>
+          <a:blip r:embed="rId5"/>
+          <a:stretch>
+            <a:fillRect/>
+          </a:stretch>
+        </p:blipFill>
+        <p:spPr>
+          <a:xfrm>
+            <a:off x="1486634" y="1515269"/>
+            <a:ext cx="6274934" cy="4459530"/>
+          </a:xfrm>
+          <a:prstGeom prst="rect">
+            <a:avLst/>
+          </a:prstGeom>
+        </p:spPr>
+      </p:pic>
     </p:spTree>
+    <p:extLst>
+      <p:ext uri="{BB962C8B-B14F-4D97-AF65-F5344CB8AC3E}">
+        <p14:creationId xmlns:p14="http://schemas.microsoft.com/office/powerpoint/2010/main" val="3352404026"/>
+      </p:ext>
+    </p:extLst>
   </p:cSld>
   <p:clrMapOvr>
     <a:masterClrMapping/>
